--- a/kubernetes/Kubernetes.pptx
+++ b/kubernetes/Kubernetes.pptx
@@ -7,20 +7,21 @@
   <p:sldIdLst>
     <p:sldId id="256" r:id="rId2"/>
     <p:sldId id="259" r:id="rId3"/>
-    <p:sldId id="272" r:id="rId4"/>
-    <p:sldId id="260" r:id="rId5"/>
-    <p:sldId id="261" r:id="rId6"/>
-    <p:sldId id="262" r:id="rId7"/>
-    <p:sldId id="263" r:id="rId8"/>
-    <p:sldId id="264" r:id="rId9"/>
-    <p:sldId id="265" r:id="rId10"/>
-    <p:sldId id="266" r:id="rId11"/>
-    <p:sldId id="267" r:id="rId12"/>
-    <p:sldId id="270" r:id="rId13"/>
-    <p:sldId id="271" r:id="rId14"/>
-    <p:sldId id="268" r:id="rId15"/>
-    <p:sldId id="269" r:id="rId16"/>
-    <p:sldId id="258" r:id="rId17"/>
+    <p:sldId id="273" r:id="rId4"/>
+    <p:sldId id="272" r:id="rId5"/>
+    <p:sldId id="260" r:id="rId6"/>
+    <p:sldId id="261" r:id="rId7"/>
+    <p:sldId id="262" r:id="rId8"/>
+    <p:sldId id="263" r:id="rId9"/>
+    <p:sldId id="264" r:id="rId10"/>
+    <p:sldId id="265" r:id="rId11"/>
+    <p:sldId id="266" r:id="rId12"/>
+    <p:sldId id="267" r:id="rId13"/>
+    <p:sldId id="270" r:id="rId14"/>
+    <p:sldId id="271" r:id="rId15"/>
+    <p:sldId id="268" r:id="rId16"/>
+    <p:sldId id="269" r:id="rId17"/>
+    <p:sldId id="258" r:id="rId18"/>
   </p:sldIdLst>
   <p:sldSz cx="12192000" cy="6858000"/>
   <p:notesSz cx="6858000" cy="9144000"/>
@@ -6144,7 +6145,7 @@
           <a:p>
             <a:fld id="{38A5584B-A459-4E4A-B30E-E331743C31BB}" type="datetimeFigureOut">
               <a:rPr lang="en-IN" smtClean="0"/>
-              <a:t>29-09-2021</a:t>
+              <a:t>29-09-2022</a:t>
             </a:fld>
             <a:endParaRPr lang="en-IN"/>
           </a:p>
@@ -6354,7 +6355,7 @@
           <a:p>
             <a:fld id="{38A5584B-A459-4E4A-B30E-E331743C31BB}" type="datetimeFigureOut">
               <a:rPr lang="en-IN" smtClean="0"/>
-              <a:t>29-09-2021</a:t>
+              <a:t>29-09-2022</a:t>
             </a:fld>
             <a:endParaRPr lang="en-IN"/>
           </a:p>
@@ -6576,7 +6577,7 @@
           <a:p>
             <a:fld id="{38A5584B-A459-4E4A-B30E-E331743C31BB}" type="datetimeFigureOut">
               <a:rPr lang="en-IN" smtClean="0"/>
-              <a:t>29-09-2021</a:t>
+              <a:t>29-09-2022</a:t>
             </a:fld>
             <a:endParaRPr lang="en-IN"/>
           </a:p>
@@ -6815,7 +6816,7 @@
           <a:p>
             <a:fld id="{38A5584B-A459-4E4A-B30E-E331743C31BB}" type="datetimeFigureOut">
               <a:rPr lang="en-IN" smtClean="0"/>
-              <a:t>29-09-2021</a:t>
+              <a:t>29-09-2022</a:t>
             </a:fld>
             <a:endParaRPr lang="en-IN"/>
           </a:p>
@@ -10519,7 +10520,7 @@
           <a:p>
             <a:fld id="{38A5584B-A459-4E4A-B30E-E331743C31BB}" type="datetimeFigureOut">
               <a:rPr lang="en-IN" smtClean="0"/>
-              <a:t>29-09-2021</a:t>
+              <a:t>29-09-2022</a:t>
             </a:fld>
             <a:endParaRPr lang="en-IN"/>
           </a:p>
@@ -10787,7 +10788,7 @@
           <a:p>
             <a:fld id="{38A5584B-A459-4E4A-B30E-E331743C31BB}" type="datetimeFigureOut">
               <a:rPr lang="en-IN" smtClean="0"/>
-              <a:t>29-09-2021</a:t>
+              <a:t>29-09-2022</a:t>
             </a:fld>
             <a:endParaRPr lang="en-IN"/>
           </a:p>
@@ -11202,7 +11203,7 @@
           <a:p>
             <a:fld id="{38A5584B-A459-4E4A-B30E-E331743C31BB}" type="datetimeFigureOut">
               <a:rPr lang="en-IN" smtClean="0"/>
-              <a:t>29-09-2021</a:t>
+              <a:t>29-09-2022</a:t>
             </a:fld>
             <a:endParaRPr lang="en-IN"/>
           </a:p>
@@ -12458,7 +12459,7 @@
           <a:p>
             <a:fld id="{38A5584B-A459-4E4A-B30E-E331743C31BB}" type="datetimeFigureOut">
               <a:rPr lang="en-IN" smtClean="0"/>
-              <a:t>29-09-2021</a:t>
+              <a:t>29-09-2022</a:t>
             </a:fld>
             <a:endParaRPr lang="en-IN"/>
           </a:p>
@@ -13884,7 +13885,7 @@
           <a:p>
             <a:fld id="{38A5584B-A459-4E4A-B30E-E331743C31BB}" type="datetimeFigureOut">
               <a:rPr lang="en-IN" smtClean="0"/>
-              <a:t>29-09-2021</a:t>
+              <a:t>29-09-2022</a:t>
             </a:fld>
             <a:endParaRPr lang="en-IN"/>
           </a:p>
@@ -14177,7 +14178,7 @@
           <a:p>
             <a:fld id="{38A5584B-A459-4E4A-B30E-E331743C31BB}" type="datetimeFigureOut">
               <a:rPr lang="en-IN" smtClean="0"/>
-              <a:t>29-09-2021</a:t>
+              <a:t>29-09-2022</a:t>
             </a:fld>
             <a:endParaRPr lang="en-IN"/>
           </a:p>
@@ -14420,7 +14421,7 @@
           <a:p>
             <a:fld id="{38A5584B-A459-4E4A-B30E-E331743C31BB}" type="datetimeFigureOut">
               <a:rPr lang="en-IN" smtClean="0"/>
-              <a:t>29-09-2021</a:t>
+              <a:t>29-09-2022</a:t>
             </a:fld>
             <a:endParaRPr lang="en-IN"/>
           </a:p>
@@ -14905,6 +14906,1177 @@
       </p:grpSpPr>
       <p:sp>
         <p:nvSpPr>
+          <p:cNvPr id="5" name="object 5"/>
+          <p:cNvSpPr txBox="1"/>
+          <p:nvPr/>
+        </p:nvSpPr>
+        <p:spPr>
+          <a:xfrm>
+            <a:off x="1725205" y="183049"/>
+            <a:ext cx="10805930" cy="637781"/>
+          </a:xfrm>
+          <a:prstGeom prst="rect">
+            <a:avLst/>
+          </a:prstGeom>
+        </p:spPr>
+        <p:txBody>
+          <a:bodyPr vert="horz" wrap="square" lIns="0" tIns="22013" rIns="0" bIns="0" rtlCol="0" anchor="ctr">
+            <a:spAutoFit/>
+          </a:bodyPr>
+          <a:lstStyle>
+            <a:lvl1pPr marL="16933" algn="ctr">
+              <a:lnSpc>
+                <a:spcPct val="100000"/>
+              </a:lnSpc>
+              <a:spcBef>
+                <a:spcPts val="173"/>
+              </a:spcBef>
+              <a:buNone/>
+              <a:defRPr sz="4000" b="1" i="0" spc="13">
+                <a:ea typeface="+mj-ea"/>
+                <a:cs typeface="+mj-cs"/>
+              </a:defRPr>
+            </a:lvl1pPr>
+          </a:lstStyle>
+          <a:p>
+            <a:pPr algn="l"/>
+            <a:r>
+              <a:rPr lang="en-IN" b="0" dirty="0"/>
+              <a:t>Kubernetes Ingress</a:t>
+            </a:r>
+            <a:endParaRPr b="0" dirty="0"/>
+          </a:p>
+        </p:txBody>
+      </p:sp>
+      <p:sp>
+        <p:nvSpPr>
+          <p:cNvPr id="6" name="object 6"/>
+          <p:cNvSpPr txBox="1"/>
+          <p:nvPr/>
+        </p:nvSpPr>
+        <p:spPr>
+          <a:xfrm>
+            <a:off x="2262457" y="1257228"/>
+            <a:ext cx="7183120" cy="247077"/>
+          </a:xfrm>
+          <a:prstGeom prst="rect">
+            <a:avLst/>
+          </a:prstGeom>
+        </p:spPr>
+        <p:txBody>
+          <a:bodyPr vert="horz" wrap="square" lIns="0" tIns="31327" rIns="0" bIns="0" rtlCol="0">
+            <a:spAutoFit/>
+          </a:bodyPr>
+          <a:lstStyle/>
+          <a:p>
+            <a:endParaRPr lang="en-IN" sz="1400" b="0" dirty="0">
+              <a:solidFill>
+                <a:srgbClr val="D4D4D4"/>
+              </a:solidFill>
+              <a:effectLst/>
+              <a:latin typeface="Consolas" panose="020B0609020204030204" pitchFamily="49" charset="0"/>
+            </a:endParaRPr>
+          </a:p>
+        </p:txBody>
+      </p:sp>
+      <p:sp>
+        <p:nvSpPr>
+          <p:cNvPr id="11" name="Rectangle: Rounded Corners 10">
+            <a:extLst>
+              <a:ext uri="{FF2B5EF4-FFF2-40B4-BE49-F238E27FC236}">
+                <a16:creationId xmlns:a16="http://schemas.microsoft.com/office/drawing/2014/main" id="{2762EBC7-2EBD-4E19-9E36-AB46BE8213C6}"/>
+              </a:ext>
+            </a:extLst>
+          </p:cNvPr>
+          <p:cNvSpPr/>
+          <p:nvPr/>
+        </p:nvSpPr>
+        <p:spPr>
+          <a:xfrm>
+            <a:off x="2746423" y="855079"/>
+            <a:ext cx="5358581" cy="5520975"/>
+          </a:xfrm>
+          <a:prstGeom prst="roundRect">
+            <a:avLst>
+              <a:gd name="adj" fmla="val 7063"/>
+            </a:avLst>
+          </a:prstGeom>
+        </p:spPr>
+        <p:style>
+          <a:lnRef idx="2">
+            <a:schemeClr val="accent1"/>
+          </a:lnRef>
+          <a:fillRef idx="1">
+            <a:schemeClr val="lt1"/>
+          </a:fillRef>
+          <a:effectRef idx="0">
+            <a:schemeClr val="accent1"/>
+          </a:effectRef>
+          <a:fontRef idx="minor">
+            <a:schemeClr val="dk1"/>
+          </a:fontRef>
+        </p:style>
+        <p:txBody>
+          <a:bodyPr rtlCol="0" anchor="ctr"/>
+          <a:lstStyle/>
+          <a:p>
+            <a:r>
+              <a:rPr lang="en-IN" sz="1400" b="0" dirty="0" err="1">
+                <a:solidFill>
+                  <a:srgbClr val="569CD6"/>
+                </a:solidFill>
+                <a:effectLst/>
+                <a:latin typeface="Consolas" panose="020B0609020204030204" pitchFamily="49" charset="0"/>
+              </a:rPr>
+              <a:t>apiVersion</a:t>
+            </a:r>
+            <a:r>
+              <a:rPr lang="en-IN" sz="1400" b="0" dirty="0">
+                <a:solidFill>
+                  <a:srgbClr val="D4D4D4"/>
+                </a:solidFill>
+                <a:effectLst/>
+                <a:latin typeface="Consolas" panose="020B0609020204030204" pitchFamily="49" charset="0"/>
+              </a:rPr>
+              <a:t>: </a:t>
+            </a:r>
+            <a:r>
+              <a:rPr lang="en-IN" sz="1400" b="0" dirty="0">
+                <a:solidFill>
+                  <a:srgbClr val="CE9178"/>
+                </a:solidFill>
+                <a:effectLst/>
+                <a:latin typeface="Consolas" panose="020B0609020204030204" pitchFamily="49" charset="0"/>
+              </a:rPr>
+              <a:t>networking.k8s.io/v1</a:t>
+            </a:r>
+            <a:endParaRPr lang="en-IN" sz="1400" b="0" dirty="0">
+              <a:solidFill>
+                <a:srgbClr val="D4D4D4"/>
+              </a:solidFill>
+              <a:effectLst/>
+              <a:latin typeface="Consolas" panose="020B0609020204030204" pitchFamily="49" charset="0"/>
+            </a:endParaRPr>
+          </a:p>
+          <a:p>
+            <a:r>
+              <a:rPr lang="en-IN" sz="1400" b="0" dirty="0">
+                <a:solidFill>
+                  <a:srgbClr val="569CD6"/>
+                </a:solidFill>
+                <a:effectLst/>
+                <a:latin typeface="Consolas" panose="020B0609020204030204" pitchFamily="49" charset="0"/>
+              </a:rPr>
+              <a:t>kind</a:t>
+            </a:r>
+            <a:r>
+              <a:rPr lang="en-IN" sz="1400" b="0" dirty="0">
+                <a:solidFill>
+                  <a:srgbClr val="D4D4D4"/>
+                </a:solidFill>
+                <a:effectLst/>
+                <a:latin typeface="Consolas" panose="020B0609020204030204" pitchFamily="49" charset="0"/>
+              </a:rPr>
+              <a:t>: </a:t>
+            </a:r>
+            <a:r>
+              <a:rPr lang="en-IN" sz="1400" b="0" dirty="0">
+                <a:solidFill>
+                  <a:srgbClr val="CE9178"/>
+                </a:solidFill>
+                <a:effectLst/>
+                <a:latin typeface="Consolas" panose="020B0609020204030204" pitchFamily="49" charset="0"/>
+              </a:rPr>
+              <a:t>Ingress</a:t>
+            </a:r>
+            <a:endParaRPr lang="en-IN" sz="1400" b="0" dirty="0">
+              <a:solidFill>
+                <a:srgbClr val="D4D4D4"/>
+              </a:solidFill>
+              <a:effectLst/>
+              <a:latin typeface="Consolas" panose="020B0609020204030204" pitchFamily="49" charset="0"/>
+            </a:endParaRPr>
+          </a:p>
+          <a:p>
+            <a:r>
+              <a:rPr lang="en-IN" sz="1400" b="0" dirty="0">
+                <a:solidFill>
+                  <a:srgbClr val="569CD6"/>
+                </a:solidFill>
+                <a:effectLst/>
+                <a:latin typeface="Consolas" panose="020B0609020204030204" pitchFamily="49" charset="0"/>
+              </a:rPr>
+              <a:t>metadata</a:t>
+            </a:r>
+            <a:r>
+              <a:rPr lang="en-IN" sz="1400" b="0" dirty="0">
+                <a:solidFill>
+                  <a:srgbClr val="D4D4D4"/>
+                </a:solidFill>
+                <a:effectLst/>
+                <a:latin typeface="Consolas" panose="020B0609020204030204" pitchFamily="49" charset="0"/>
+              </a:rPr>
+              <a:t>:</a:t>
+            </a:r>
+          </a:p>
+          <a:p>
+            <a:r>
+              <a:rPr lang="en-IN" sz="1400" b="0" dirty="0">
+                <a:solidFill>
+                  <a:srgbClr val="D4D4D4"/>
+                </a:solidFill>
+                <a:effectLst/>
+                <a:latin typeface="Consolas" panose="020B0609020204030204" pitchFamily="49" charset="0"/>
+              </a:rPr>
+              <a:t>  </a:t>
+            </a:r>
+            <a:r>
+              <a:rPr lang="en-IN" sz="1400" b="0" dirty="0">
+                <a:solidFill>
+                  <a:srgbClr val="569CD6"/>
+                </a:solidFill>
+                <a:effectLst/>
+                <a:latin typeface="Consolas" panose="020B0609020204030204" pitchFamily="49" charset="0"/>
+              </a:rPr>
+              <a:t>name</a:t>
+            </a:r>
+            <a:r>
+              <a:rPr lang="en-IN" sz="1400" b="0" dirty="0">
+                <a:solidFill>
+                  <a:srgbClr val="D4D4D4"/>
+                </a:solidFill>
+                <a:effectLst/>
+                <a:latin typeface="Consolas" panose="020B0609020204030204" pitchFamily="49" charset="0"/>
+              </a:rPr>
+              <a:t>: </a:t>
+            </a:r>
+            <a:r>
+              <a:rPr lang="en-IN" sz="1400" b="0" dirty="0">
+                <a:solidFill>
+                  <a:srgbClr val="CE9178"/>
+                </a:solidFill>
+                <a:effectLst/>
+                <a:latin typeface="Consolas" panose="020B0609020204030204" pitchFamily="49" charset="0"/>
+              </a:rPr>
+              <a:t>ingress-</a:t>
+            </a:r>
+            <a:r>
+              <a:rPr lang="en-IN" sz="1400" b="0" dirty="0" err="1">
+                <a:solidFill>
+                  <a:srgbClr val="CE9178"/>
+                </a:solidFill>
+                <a:effectLst/>
+                <a:latin typeface="Consolas" panose="020B0609020204030204" pitchFamily="49" charset="0"/>
+              </a:rPr>
+              <a:t>nginx</a:t>
+            </a:r>
+            <a:endParaRPr lang="en-IN" sz="1400" b="0" dirty="0">
+              <a:solidFill>
+                <a:srgbClr val="D4D4D4"/>
+              </a:solidFill>
+              <a:effectLst/>
+              <a:latin typeface="Consolas" panose="020B0609020204030204" pitchFamily="49" charset="0"/>
+            </a:endParaRPr>
+          </a:p>
+          <a:p>
+            <a:r>
+              <a:rPr lang="en-IN" sz="1400" b="0" dirty="0">
+                <a:solidFill>
+                  <a:srgbClr val="D4D4D4"/>
+                </a:solidFill>
+                <a:effectLst/>
+                <a:latin typeface="Consolas" panose="020B0609020204030204" pitchFamily="49" charset="0"/>
+              </a:rPr>
+              <a:t>  </a:t>
+            </a:r>
+            <a:r>
+              <a:rPr lang="en-IN" sz="1400" b="0" dirty="0">
+                <a:solidFill>
+                  <a:srgbClr val="569CD6"/>
+                </a:solidFill>
+                <a:effectLst/>
+                <a:latin typeface="Consolas" panose="020B0609020204030204" pitchFamily="49" charset="0"/>
+              </a:rPr>
+              <a:t>namespace</a:t>
+            </a:r>
+            <a:r>
+              <a:rPr lang="en-IN" sz="1400" b="0" dirty="0">
+                <a:solidFill>
+                  <a:srgbClr val="D4D4D4"/>
+                </a:solidFill>
+                <a:effectLst/>
+                <a:latin typeface="Consolas" panose="020B0609020204030204" pitchFamily="49" charset="0"/>
+              </a:rPr>
+              <a:t>: </a:t>
+            </a:r>
+            <a:r>
+              <a:rPr lang="en-IN" sz="1400" b="0" dirty="0">
+                <a:solidFill>
+                  <a:srgbClr val="CE9178"/>
+                </a:solidFill>
+                <a:effectLst/>
+                <a:latin typeface="Consolas" panose="020B0609020204030204" pitchFamily="49" charset="0"/>
+              </a:rPr>
+              <a:t>web</a:t>
+            </a:r>
+            <a:endParaRPr lang="en-IN" sz="1400" b="0" dirty="0">
+              <a:solidFill>
+                <a:srgbClr val="D4D4D4"/>
+              </a:solidFill>
+              <a:effectLst/>
+              <a:latin typeface="Consolas" panose="020B0609020204030204" pitchFamily="49" charset="0"/>
+            </a:endParaRPr>
+          </a:p>
+          <a:p>
+            <a:r>
+              <a:rPr lang="en-IN" sz="1400" b="0" dirty="0">
+                <a:solidFill>
+                  <a:srgbClr val="D4D4D4"/>
+                </a:solidFill>
+                <a:effectLst/>
+                <a:latin typeface="Consolas" panose="020B0609020204030204" pitchFamily="49" charset="0"/>
+              </a:rPr>
+              <a:t>  </a:t>
+            </a:r>
+            <a:r>
+              <a:rPr lang="en-IN" sz="1400" b="0" dirty="0">
+                <a:solidFill>
+                  <a:srgbClr val="569CD6"/>
+                </a:solidFill>
+                <a:effectLst/>
+                <a:latin typeface="Consolas" panose="020B0609020204030204" pitchFamily="49" charset="0"/>
+              </a:rPr>
+              <a:t>annotations</a:t>
+            </a:r>
+            <a:r>
+              <a:rPr lang="en-IN" sz="1400" b="0" dirty="0">
+                <a:solidFill>
+                  <a:srgbClr val="D4D4D4"/>
+                </a:solidFill>
+                <a:effectLst/>
+                <a:latin typeface="Consolas" panose="020B0609020204030204" pitchFamily="49" charset="0"/>
+              </a:rPr>
+              <a:t>:</a:t>
+            </a:r>
+          </a:p>
+          <a:p>
+            <a:r>
+              <a:rPr lang="en-IN" sz="1400" b="0" dirty="0">
+                <a:solidFill>
+                  <a:srgbClr val="D4D4D4"/>
+                </a:solidFill>
+                <a:effectLst/>
+                <a:latin typeface="Consolas" panose="020B0609020204030204" pitchFamily="49" charset="0"/>
+              </a:rPr>
+              <a:t>    </a:t>
+            </a:r>
+            <a:r>
+              <a:rPr lang="en-IN" sz="1400" b="0" dirty="0">
+                <a:solidFill>
+                  <a:srgbClr val="569CD6"/>
+                </a:solidFill>
+                <a:effectLst/>
+                <a:latin typeface="Consolas" panose="020B0609020204030204" pitchFamily="49" charset="0"/>
+              </a:rPr>
+              <a:t>kubernetes.io/</a:t>
+            </a:r>
+            <a:r>
+              <a:rPr lang="en-IN" sz="1400" b="0" dirty="0" err="1">
+                <a:solidFill>
+                  <a:srgbClr val="569CD6"/>
+                </a:solidFill>
+                <a:effectLst/>
+                <a:latin typeface="Consolas" panose="020B0609020204030204" pitchFamily="49" charset="0"/>
+              </a:rPr>
+              <a:t>ingress.class</a:t>
+            </a:r>
+            <a:r>
+              <a:rPr lang="en-IN" sz="1400" b="0" dirty="0">
+                <a:solidFill>
+                  <a:srgbClr val="D4D4D4"/>
+                </a:solidFill>
+                <a:effectLst/>
+                <a:latin typeface="Consolas" panose="020B0609020204030204" pitchFamily="49" charset="0"/>
+              </a:rPr>
+              <a:t>: </a:t>
+            </a:r>
+            <a:r>
+              <a:rPr lang="en-IN" sz="1400" b="0" dirty="0">
+                <a:solidFill>
+                  <a:srgbClr val="CE9178"/>
+                </a:solidFill>
+                <a:effectLst/>
+                <a:latin typeface="Consolas" panose="020B0609020204030204" pitchFamily="49" charset="0"/>
+              </a:rPr>
+              <a:t>"</a:t>
+            </a:r>
+            <a:r>
+              <a:rPr lang="en-IN" sz="1400" b="0" dirty="0" err="1">
+                <a:solidFill>
+                  <a:srgbClr val="CE9178"/>
+                </a:solidFill>
+                <a:effectLst/>
+                <a:latin typeface="Consolas" panose="020B0609020204030204" pitchFamily="49" charset="0"/>
+              </a:rPr>
+              <a:t>gce</a:t>
+            </a:r>
+            <a:r>
+              <a:rPr lang="en-IN" sz="1400" b="0" dirty="0">
+                <a:solidFill>
+                  <a:srgbClr val="CE9178"/>
+                </a:solidFill>
+                <a:effectLst/>
+                <a:latin typeface="Consolas" panose="020B0609020204030204" pitchFamily="49" charset="0"/>
+              </a:rPr>
+              <a:t>“</a:t>
+            </a:r>
+          </a:p>
+          <a:p>
+            <a:r>
+              <a:rPr lang="en-IN" sz="1400" b="0" dirty="0">
+                <a:solidFill>
+                  <a:srgbClr val="569CD6"/>
+                </a:solidFill>
+                <a:effectLst/>
+                <a:latin typeface="Consolas" panose="020B0609020204030204" pitchFamily="49" charset="0"/>
+              </a:rPr>
+              <a:t>spec</a:t>
+            </a:r>
+            <a:r>
+              <a:rPr lang="en-IN" sz="1400" b="0" dirty="0">
+                <a:solidFill>
+                  <a:srgbClr val="D4D4D4"/>
+                </a:solidFill>
+                <a:effectLst/>
+                <a:latin typeface="Consolas" panose="020B0609020204030204" pitchFamily="49" charset="0"/>
+              </a:rPr>
+              <a:t>:</a:t>
+            </a:r>
+          </a:p>
+          <a:p>
+            <a:r>
+              <a:rPr lang="en-IN" sz="1400" b="0" dirty="0">
+                <a:solidFill>
+                  <a:srgbClr val="D4D4D4"/>
+                </a:solidFill>
+                <a:effectLst/>
+                <a:latin typeface="Consolas" panose="020B0609020204030204" pitchFamily="49" charset="0"/>
+              </a:rPr>
+              <a:t>  </a:t>
+            </a:r>
+            <a:r>
+              <a:rPr lang="en-IN" sz="1400" b="0" dirty="0">
+                <a:solidFill>
+                  <a:srgbClr val="569CD6"/>
+                </a:solidFill>
+                <a:effectLst/>
+                <a:latin typeface="Consolas" panose="020B0609020204030204" pitchFamily="49" charset="0"/>
+              </a:rPr>
+              <a:t>rules</a:t>
+            </a:r>
+            <a:r>
+              <a:rPr lang="en-IN" sz="1400" b="0" dirty="0">
+                <a:solidFill>
+                  <a:srgbClr val="D4D4D4"/>
+                </a:solidFill>
+                <a:effectLst/>
+                <a:latin typeface="Consolas" panose="020B0609020204030204" pitchFamily="49" charset="0"/>
+              </a:rPr>
+              <a:t>:</a:t>
+            </a:r>
+          </a:p>
+          <a:p>
+            <a:r>
+              <a:rPr lang="en-IN" sz="1400" b="0" dirty="0">
+                <a:solidFill>
+                  <a:srgbClr val="D4D4D4"/>
+                </a:solidFill>
+                <a:effectLst/>
+                <a:latin typeface="Consolas" panose="020B0609020204030204" pitchFamily="49" charset="0"/>
+              </a:rPr>
+              <a:t>  - </a:t>
+            </a:r>
+            <a:r>
+              <a:rPr lang="en-IN" sz="1400" b="0" dirty="0">
+                <a:solidFill>
+                  <a:srgbClr val="569CD6"/>
+                </a:solidFill>
+                <a:effectLst/>
+                <a:latin typeface="Consolas" panose="020B0609020204030204" pitchFamily="49" charset="0"/>
+              </a:rPr>
+              <a:t>http</a:t>
+            </a:r>
+            <a:r>
+              <a:rPr lang="en-IN" sz="1400" b="0" dirty="0">
+                <a:solidFill>
+                  <a:srgbClr val="D4D4D4"/>
+                </a:solidFill>
+                <a:effectLst/>
+                <a:latin typeface="Consolas" panose="020B0609020204030204" pitchFamily="49" charset="0"/>
+              </a:rPr>
+              <a:t>:</a:t>
+            </a:r>
+          </a:p>
+          <a:p>
+            <a:r>
+              <a:rPr lang="en-IN" sz="1400" b="0" dirty="0">
+                <a:solidFill>
+                  <a:srgbClr val="D4D4D4"/>
+                </a:solidFill>
+                <a:effectLst/>
+                <a:latin typeface="Consolas" panose="020B0609020204030204" pitchFamily="49" charset="0"/>
+              </a:rPr>
+              <a:t>        </a:t>
+            </a:r>
+            <a:r>
+              <a:rPr lang="en-IN" sz="1400" b="0" dirty="0">
+                <a:solidFill>
+                  <a:srgbClr val="569CD6"/>
+                </a:solidFill>
+                <a:effectLst/>
+                <a:latin typeface="Consolas" panose="020B0609020204030204" pitchFamily="49" charset="0"/>
+              </a:rPr>
+              <a:t>paths</a:t>
+            </a:r>
+            <a:r>
+              <a:rPr lang="en-IN" sz="1400" b="0" dirty="0">
+                <a:solidFill>
+                  <a:srgbClr val="D4D4D4"/>
+                </a:solidFill>
+                <a:effectLst/>
+                <a:latin typeface="Consolas" panose="020B0609020204030204" pitchFamily="49" charset="0"/>
+              </a:rPr>
+              <a:t>:</a:t>
+            </a:r>
+          </a:p>
+          <a:p>
+            <a:r>
+              <a:rPr lang="en-IN" sz="1400" b="0" dirty="0">
+                <a:solidFill>
+                  <a:srgbClr val="D4D4D4"/>
+                </a:solidFill>
+                <a:effectLst/>
+                <a:latin typeface="Consolas" panose="020B0609020204030204" pitchFamily="49" charset="0"/>
+              </a:rPr>
+              <a:t>          - </a:t>
+            </a:r>
+            <a:r>
+              <a:rPr lang="en-IN" sz="1400" b="0" dirty="0">
+                <a:solidFill>
+                  <a:srgbClr val="569CD6"/>
+                </a:solidFill>
+                <a:effectLst/>
+                <a:latin typeface="Consolas" panose="020B0609020204030204" pitchFamily="49" charset="0"/>
+              </a:rPr>
+              <a:t>path</a:t>
+            </a:r>
+            <a:r>
+              <a:rPr lang="en-IN" sz="1400" b="0" dirty="0">
+                <a:solidFill>
+                  <a:srgbClr val="D4D4D4"/>
+                </a:solidFill>
+                <a:effectLst/>
+                <a:latin typeface="Consolas" panose="020B0609020204030204" pitchFamily="49" charset="0"/>
+              </a:rPr>
+              <a:t>: </a:t>
+            </a:r>
+            <a:r>
+              <a:rPr lang="en-IN" sz="1400" b="0" dirty="0">
+                <a:solidFill>
+                  <a:srgbClr val="CE9178"/>
+                </a:solidFill>
+                <a:effectLst/>
+                <a:latin typeface="Consolas" panose="020B0609020204030204" pitchFamily="49" charset="0"/>
+              </a:rPr>
+              <a:t>/*</a:t>
+            </a:r>
+            <a:endParaRPr lang="en-IN" sz="1400" b="0" dirty="0">
+              <a:solidFill>
+                <a:srgbClr val="D4D4D4"/>
+              </a:solidFill>
+              <a:effectLst/>
+              <a:latin typeface="Consolas" panose="020B0609020204030204" pitchFamily="49" charset="0"/>
+            </a:endParaRPr>
+          </a:p>
+          <a:p>
+            <a:r>
+              <a:rPr lang="en-IN" sz="1400" b="0" dirty="0">
+                <a:solidFill>
+                  <a:srgbClr val="D4D4D4"/>
+                </a:solidFill>
+                <a:effectLst/>
+                <a:latin typeface="Consolas" panose="020B0609020204030204" pitchFamily="49" charset="0"/>
+              </a:rPr>
+              <a:t>            </a:t>
+            </a:r>
+            <a:r>
+              <a:rPr lang="en-IN" sz="1400" b="0" dirty="0" err="1">
+                <a:solidFill>
+                  <a:srgbClr val="569CD6"/>
+                </a:solidFill>
+                <a:effectLst/>
+                <a:latin typeface="Consolas" panose="020B0609020204030204" pitchFamily="49" charset="0"/>
+              </a:rPr>
+              <a:t>pathType</a:t>
+            </a:r>
+            <a:r>
+              <a:rPr lang="en-IN" sz="1400" b="0" dirty="0">
+                <a:solidFill>
+                  <a:srgbClr val="D4D4D4"/>
+                </a:solidFill>
+                <a:effectLst/>
+                <a:latin typeface="Consolas" panose="020B0609020204030204" pitchFamily="49" charset="0"/>
+              </a:rPr>
+              <a:t>: </a:t>
+            </a:r>
+            <a:r>
+              <a:rPr lang="en-IN" sz="1400" b="0" dirty="0" err="1">
+                <a:solidFill>
+                  <a:srgbClr val="CE9178"/>
+                </a:solidFill>
+                <a:effectLst/>
+                <a:latin typeface="Consolas" panose="020B0609020204030204" pitchFamily="49" charset="0"/>
+              </a:rPr>
+              <a:t>ImplementationSpecific</a:t>
+            </a:r>
+            <a:endParaRPr lang="en-IN" sz="1400" b="0" dirty="0">
+              <a:solidFill>
+                <a:srgbClr val="D4D4D4"/>
+              </a:solidFill>
+              <a:effectLst/>
+              <a:latin typeface="Consolas" panose="020B0609020204030204" pitchFamily="49" charset="0"/>
+            </a:endParaRPr>
+          </a:p>
+          <a:p>
+            <a:r>
+              <a:rPr lang="en-IN" sz="1400" b="0" dirty="0">
+                <a:solidFill>
+                  <a:srgbClr val="D4D4D4"/>
+                </a:solidFill>
+                <a:effectLst/>
+                <a:latin typeface="Consolas" panose="020B0609020204030204" pitchFamily="49" charset="0"/>
+              </a:rPr>
+              <a:t>            </a:t>
+            </a:r>
+            <a:r>
+              <a:rPr lang="en-IN" sz="1400" b="0" dirty="0">
+                <a:solidFill>
+                  <a:srgbClr val="569CD6"/>
+                </a:solidFill>
+                <a:effectLst/>
+                <a:latin typeface="Consolas" panose="020B0609020204030204" pitchFamily="49" charset="0"/>
+              </a:rPr>
+              <a:t>backend</a:t>
+            </a:r>
+            <a:r>
+              <a:rPr lang="en-IN" sz="1400" b="0" dirty="0">
+                <a:solidFill>
+                  <a:srgbClr val="D4D4D4"/>
+                </a:solidFill>
+                <a:effectLst/>
+                <a:latin typeface="Consolas" panose="020B0609020204030204" pitchFamily="49" charset="0"/>
+              </a:rPr>
+              <a:t>:</a:t>
+            </a:r>
+          </a:p>
+          <a:p>
+            <a:r>
+              <a:rPr lang="en-IN" sz="1400" b="0" dirty="0">
+                <a:solidFill>
+                  <a:srgbClr val="D4D4D4"/>
+                </a:solidFill>
+                <a:effectLst/>
+                <a:latin typeface="Consolas" panose="020B0609020204030204" pitchFamily="49" charset="0"/>
+              </a:rPr>
+              <a:t>              </a:t>
+            </a:r>
+            <a:r>
+              <a:rPr lang="en-IN" sz="1400" b="0" dirty="0">
+                <a:solidFill>
+                  <a:srgbClr val="569CD6"/>
+                </a:solidFill>
+                <a:effectLst/>
+                <a:latin typeface="Consolas" panose="020B0609020204030204" pitchFamily="49" charset="0"/>
+              </a:rPr>
+              <a:t>service</a:t>
+            </a:r>
+            <a:r>
+              <a:rPr lang="en-IN" sz="1400" b="0" dirty="0">
+                <a:solidFill>
+                  <a:srgbClr val="D4D4D4"/>
+                </a:solidFill>
+                <a:effectLst/>
+                <a:latin typeface="Consolas" panose="020B0609020204030204" pitchFamily="49" charset="0"/>
+              </a:rPr>
+              <a:t>:</a:t>
+            </a:r>
+          </a:p>
+          <a:p>
+            <a:r>
+              <a:rPr lang="en-IN" sz="1400" b="0" dirty="0">
+                <a:solidFill>
+                  <a:srgbClr val="D4D4D4"/>
+                </a:solidFill>
+                <a:effectLst/>
+                <a:latin typeface="Consolas" panose="020B0609020204030204" pitchFamily="49" charset="0"/>
+              </a:rPr>
+              <a:t>                </a:t>
+            </a:r>
+            <a:r>
+              <a:rPr lang="en-IN" sz="1400" b="0" dirty="0">
+                <a:solidFill>
+                  <a:srgbClr val="569CD6"/>
+                </a:solidFill>
+                <a:effectLst/>
+                <a:latin typeface="Consolas" panose="020B0609020204030204" pitchFamily="49" charset="0"/>
+              </a:rPr>
+              <a:t>name</a:t>
+            </a:r>
+            <a:r>
+              <a:rPr lang="en-IN" sz="1400" b="0" dirty="0">
+                <a:solidFill>
+                  <a:srgbClr val="D4D4D4"/>
+                </a:solidFill>
+                <a:effectLst/>
+                <a:latin typeface="Consolas" panose="020B0609020204030204" pitchFamily="49" charset="0"/>
+              </a:rPr>
+              <a:t>: </a:t>
+            </a:r>
+            <a:r>
+              <a:rPr lang="en-IN" sz="1400" b="0" dirty="0">
+                <a:solidFill>
+                  <a:srgbClr val="CE9178"/>
+                </a:solidFill>
+                <a:effectLst/>
+                <a:latin typeface="Consolas" panose="020B0609020204030204" pitchFamily="49" charset="0"/>
+              </a:rPr>
+              <a:t>my-website-svc</a:t>
+            </a:r>
+            <a:endParaRPr lang="en-IN" sz="1400" b="0" dirty="0">
+              <a:solidFill>
+                <a:srgbClr val="D4D4D4"/>
+              </a:solidFill>
+              <a:effectLst/>
+              <a:latin typeface="Consolas" panose="020B0609020204030204" pitchFamily="49" charset="0"/>
+            </a:endParaRPr>
+          </a:p>
+          <a:p>
+            <a:r>
+              <a:rPr lang="en-IN" sz="1400" b="0" dirty="0">
+                <a:solidFill>
+                  <a:srgbClr val="D4D4D4"/>
+                </a:solidFill>
+                <a:effectLst/>
+                <a:latin typeface="Consolas" panose="020B0609020204030204" pitchFamily="49" charset="0"/>
+              </a:rPr>
+              <a:t>                </a:t>
+            </a:r>
+            <a:r>
+              <a:rPr lang="en-IN" sz="1400" b="0" dirty="0">
+                <a:solidFill>
+                  <a:srgbClr val="569CD6"/>
+                </a:solidFill>
+                <a:effectLst/>
+                <a:latin typeface="Consolas" panose="020B0609020204030204" pitchFamily="49" charset="0"/>
+              </a:rPr>
+              <a:t>port</a:t>
+            </a:r>
+            <a:r>
+              <a:rPr lang="en-IN" sz="1400" b="0" dirty="0">
+                <a:solidFill>
+                  <a:srgbClr val="D4D4D4"/>
+                </a:solidFill>
+                <a:effectLst/>
+                <a:latin typeface="Consolas" panose="020B0609020204030204" pitchFamily="49" charset="0"/>
+              </a:rPr>
+              <a:t>:</a:t>
+            </a:r>
+          </a:p>
+          <a:p>
+            <a:r>
+              <a:rPr lang="en-IN" sz="1400" b="0" dirty="0">
+                <a:solidFill>
+                  <a:srgbClr val="D4D4D4"/>
+                </a:solidFill>
+                <a:effectLst/>
+                <a:latin typeface="Consolas" panose="020B0609020204030204" pitchFamily="49" charset="0"/>
+              </a:rPr>
+              <a:t>                  </a:t>
+            </a:r>
+            <a:r>
+              <a:rPr lang="en-IN" sz="1400" b="0" dirty="0">
+                <a:solidFill>
+                  <a:srgbClr val="569CD6"/>
+                </a:solidFill>
+                <a:effectLst/>
+                <a:latin typeface="Consolas" panose="020B0609020204030204" pitchFamily="49" charset="0"/>
+              </a:rPr>
+              <a:t>number</a:t>
+            </a:r>
+            <a:r>
+              <a:rPr lang="en-IN" sz="1400" b="0" dirty="0">
+                <a:solidFill>
+                  <a:srgbClr val="D4D4D4"/>
+                </a:solidFill>
+                <a:effectLst/>
+                <a:latin typeface="Consolas" panose="020B0609020204030204" pitchFamily="49" charset="0"/>
+              </a:rPr>
+              <a:t>: </a:t>
+            </a:r>
+            <a:r>
+              <a:rPr lang="en-IN" sz="1400" b="0" dirty="0">
+                <a:solidFill>
+                  <a:srgbClr val="B5CEA8"/>
+                </a:solidFill>
+                <a:effectLst/>
+                <a:latin typeface="Consolas" panose="020B0609020204030204" pitchFamily="49" charset="0"/>
+              </a:rPr>
+              <a:t>80</a:t>
+            </a:r>
+            <a:endParaRPr lang="en-IN" sz="1400" b="0" dirty="0">
+              <a:solidFill>
+                <a:srgbClr val="D4D4D4"/>
+              </a:solidFill>
+              <a:effectLst/>
+              <a:latin typeface="Consolas" panose="020B0609020204030204" pitchFamily="49" charset="0"/>
+            </a:endParaRPr>
+          </a:p>
+          <a:p>
+            <a:r>
+              <a:rPr lang="en-IN" sz="1400" b="0" dirty="0">
+                <a:solidFill>
+                  <a:srgbClr val="D4D4D4"/>
+                </a:solidFill>
+                <a:effectLst/>
+                <a:latin typeface="Consolas" panose="020B0609020204030204" pitchFamily="49" charset="0"/>
+              </a:rPr>
+              <a:t>          - </a:t>
+            </a:r>
+            <a:r>
+              <a:rPr lang="en-IN" sz="1400" b="0" dirty="0">
+                <a:solidFill>
+                  <a:srgbClr val="569CD6"/>
+                </a:solidFill>
+                <a:effectLst/>
+                <a:latin typeface="Consolas" panose="020B0609020204030204" pitchFamily="49" charset="0"/>
+              </a:rPr>
+              <a:t>path</a:t>
+            </a:r>
+            <a:r>
+              <a:rPr lang="en-IN" sz="1400" b="0" dirty="0">
+                <a:solidFill>
+                  <a:srgbClr val="D4D4D4"/>
+                </a:solidFill>
+                <a:effectLst/>
+                <a:latin typeface="Consolas" panose="020B0609020204030204" pitchFamily="49" charset="0"/>
+              </a:rPr>
+              <a:t>: </a:t>
+            </a:r>
+            <a:r>
+              <a:rPr lang="en-IN" sz="1400" b="0" dirty="0">
+                <a:solidFill>
+                  <a:srgbClr val="CE9178"/>
+                </a:solidFill>
+                <a:effectLst/>
+                <a:latin typeface="Consolas" panose="020B0609020204030204" pitchFamily="49" charset="0"/>
+              </a:rPr>
+              <a:t>/</a:t>
+            </a:r>
+            <a:r>
+              <a:rPr lang="en-IN" sz="1400" b="0" dirty="0" err="1">
+                <a:solidFill>
+                  <a:srgbClr val="CE9178"/>
+                </a:solidFill>
+                <a:effectLst/>
+                <a:latin typeface="Consolas" panose="020B0609020204030204" pitchFamily="49" charset="0"/>
+              </a:rPr>
+              <a:t>myweb</a:t>
+            </a:r>
+            <a:endParaRPr lang="en-IN" sz="1400" b="0" dirty="0">
+              <a:solidFill>
+                <a:srgbClr val="D4D4D4"/>
+              </a:solidFill>
+              <a:effectLst/>
+              <a:latin typeface="Consolas" panose="020B0609020204030204" pitchFamily="49" charset="0"/>
+            </a:endParaRPr>
+          </a:p>
+          <a:p>
+            <a:r>
+              <a:rPr lang="en-IN" sz="1400" b="0" dirty="0">
+                <a:solidFill>
+                  <a:srgbClr val="D4D4D4"/>
+                </a:solidFill>
+                <a:effectLst/>
+                <a:latin typeface="Consolas" panose="020B0609020204030204" pitchFamily="49" charset="0"/>
+              </a:rPr>
+              <a:t>            </a:t>
+            </a:r>
+            <a:r>
+              <a:rPr lang="en-IN" sz="1400" b="0" dirty="0" err="1">
+                <a:solidFill>
+                  <a:srgbClr val="569CD6"/>
+                </a:solidFill>
+                <a:effectLst/>
+                <a:latin typeface="Consolas" panose="020B0609020204030204" pitchFamily="49" charset="0"/>
+              </a:rPr>
+              <a:t>pathType</a:t>
+            </a:r>
+            <a:r>
+              <a:rPr lang="en-IN" sz="1400" b="0" dirty="0">
+                <a:solidFill>
+                  <a:srgbClr val="D4D4D4"/>
+                </a:solidFill>
+                <a:effectLst/>
+                <a:latin typeface="Consolas" panose="020B0609020204030204" pitchFamily="49" charset="0"/>
+              </a:rPr>
+              <a:t>: </a:t>
+            </a:r>
+            <a:r>
+              <a:rPr lang="en-IN" sz="1400" b="0" dirty="0" err="1">
+                <a:solidFill>
+                  <a:srgbClr val="CE9178"/>
+                </a:solidFill>
+                <a:effectLst/>
+                <a:latin typeface="Consolas" panose="020B0609020204030204" pitchFamily="49" charset="0"/>
+              </a:rPr>
+              <a:t>ImplementationSpecific</a:t>
+            </a:r>
+            <a:endParaRPr lang="en-IN" sz="1400" b="0" dirty="0">
+              <a:solidFill>
+                <a:srgbClr val="D4D4D4"/>
+              </a:solidFill>
+              <a:effectLst/>
+              <a:latin typeface="Consolas" panose="020B0609020204030204" pitchFamily="49" charset="0"/>
+            </a:endParaRPr>
+          </a:p>
+          <a:p>
+            <a:r>
+              <a:rPr lang="en-IN" sz="1400" b="0" dirty="0">
+                <a:solidFill>
+                  <a:srgbClr val="D4D4D4"/>
+                </a:solidFill>
+                <a:effectLst/>
+                <a:latin typeface="Consolas" panose="020B0609020204030204" pitchFamily="49" charset="0"/>
+              </a:rPr>
+              <a:t>            </a:t>
+            </a:r>
+            <a:r>
+              <a:rPr lang="en-IN" sz="1400" b="0" dirty="0">
+                <a:solidFill>
+                  <a:srgbClr val="569CD6"/>
+                </a:solidFill>
+                <a:effectLst/>
+                <a:latin typeface="Consolas" panose="020B0609020204030204" pitchFamily="49" charset="0"/>
+              </a:rPr>
+              <a:t>backend</a:t>
+            </a:r>
+            <a:r>
+              <a:rPr lang="en-IN" sz="1400" b="0" dirty="0">
+                <a:solidFill>
+                  <a:srgbClr val="D4D4D4"/>
+                </a:solidFill>
+                <a:effectLst/>
+                <a:latin typeface="Consolas" panose="020B0609020204030204" pitchFamily="49" charset="0"/>
+              </a:rPr>
+              <a:t>:</a:t>
+            </a:r>
+          </a:p>
+          <a:p>
+            <a:r>
+              <a:rPr lang="en-IN" sz="1400" b="0" dirty="0">
+                <a:solidFill>
+                  <a:srgbClr val="D4D4D4"/>
+                </a:solidFill>
+                <a:effectLst/>
+                <a:latin typeface="Consolas" panose="020B0609020204030204" pitchFamily="49" charset="0"/>
+              </a:rPr>
+              <a:t>              </a:t>
+            </a:r>
+            <a:r>
+              <a:rPr lang="en-IN" sz="1400" b="0" dirty="0">
+                <a:solidFill>
+                  <a:srgbClr val="569CD6"/>
+                </a:solidFill>
+                <a:effectLst/>
+                <a:latin typeface="Consolas" panose="020B0609020204030204" pitchFamily="49" charset="0"/>
+              </a:rPr>
+              <a:t>service</a:t>
+            </a:r>
+            <a:r>
+              <a:rPr lang="en-IN" sz="1400" b="0" dirty="0">
+                <a:solidFill>
+                  <a:srgbClr val="D4D4D4"/>
+                </a:solidFill>
+                <a:effectLst/>
+                <a:latin typeface="Consolas" panose="020B0609020204030204" pitchFamily="49" charset="0"/>
+              </a:rPr>
+              <a:t>:</a:t>
+            </a:r>
+          </a:p>
+          <a:p>
+            <a:r>
+              <a:rPr lang="en-IN" sz="1400" b="0" dirty="0">
+                <a:solidFill>
+                  <a:srgbClr val="D4D4D4"/>
+                </a:solidFill>
+                <a:effectLst/>
+                <a:latin typeface="Consolas" panose="020B0609020204030204" pitchFamily="49" charset="0"/>
+              </a:rPr>
+              <a:t>                </a:t>
+            </a:r>
+            <a:r>
+              <a:rPr lang="en-IN" sz="1400" b="0" dirty="0">
+                <a:solidFill>
+                  <a:srgbClr val="569CD6"/>
+                </a:solidFill>
+                <a:effectLst/>
+                <a:latin typeface="Consolas" panose="020B0609020204030204" pitchFamily="49" charset="0"/>
+              </a:rPr>
+              <a:t>name</a:t>
+            </a:r>
+            <a:r>
+              <a:rPr lang="en-IN" sz="1400" b="0" dirty="0">
+                <a:solidFill>
+                  <a:srgbClr val="D4D4D4"/>
+                </a:solidFill>
+                <a:effectLst/>
+                <a:latin typeface="Consolas" panose="020B0609020204030204" pitchFamily="49" charset="0"/>
+              </a:rPr>
+              <a:t>: </a:t>
+            </a:r>
+            <a:r>
+              <a:rPr lang="en-IN" sz="1400" b="0" dirty="0">
+                <a:solidFill>
+                  <a:srgbClr val="CE9178"/>
+                </a:solidFill>
+                <a:effectLst/>
+                <a:latin typeface="Consolas" panose="020B0609020204030204" pitchFamily="49" charset="0"/>
+              </a:rPr>
+              <a:t>my-website-svc</a:t>
+            </a:r>
+            <a:endParaRPr lang="en-IN" sz="1400" b="0" dirty="0">
+              <a:solidFill>
+                <a:srgbClr val="D4D4D4"/>
+              </a:solidFill>
+              <a:effectLst/>
+              <a:latin typeface="Consolas" panose="020B0609020204030204" pitchFamily="49" charset="0"/>
+            </a:endParaRPr>
+          </a:p>
+          <a:p>
+            <a:r>
+              <a:rPr lang="en-IN" sz="1400" b="0" dirty="0">
+                <a:solidFill>
+                  <a:srgbClr val="D4D4D4"/>
+                </a:solidFill>
+                <a:effectLst/>
+                <a:latin typeface="Consolas" panose="020B0609020204030204" pitchFamily="49" charset="0"/>
+              </a:rPr>
+              <a:t>                </a:t>
+            </a:r>
+            <a:r>
+              <a:rPr lang="en-IN" sz="1400" b="0" dirty="0">
+                <a:solidFill>
+                  <a:srgbClr val="569CD6"/>
+                </a:solidFill>
+                <a:effectLst/>
+                <a:latin typeface="Consolas" panose="020B0609020204030204" pitchFamily="49" charset="0"/>
+              </a:rPr>
+              <a:t>port</a:t>
+            </a:r>
+            <a:r>
+              <a:rPr lang="en-IN" sz="1400" b="0" dirty="0">
+                <a:solidFill>
+                  <a:srgbClr val="D4D4D4"/>
+                </a:solidFill>
+                <a:effectLst/>
+                <a:latin typeface="Consolas" panose="020B0609020204030204" pitchFamily="49" charset="0"/>
+              </a:rPr>
+              <a:t>:</a:t>
+            </a:r>
+          </a:p>
+          <a:p>
+            <a:r>
+              <a:rPr lang="en-IN" sz="1400" b="0" dirty="0">
+                <a:solidFill>
+                  <a:srgbClr val="D4D4D4"/>
+                </a:solidFill>
+                <a:effectLst/>
+                <a:latin typeface="Consolas" panose="020B0609020204030204" pitchFamily="49" charset="0"/>
+              </a:rPr>
+              <a:t>                  </a:t>
+            </a:r>
+            <a:r>
+              <a:rPr lang="en-IN" sz="1400" b="0" dirty="0">
+                <a:solidFill>
+                  <a:srgbClr val="569CD6"/>
+                </a:solidFill>
+                <a:effectLst/>
+                <a:latin typeface="Consolas" panose="020B0609020204030204" pitchFamily="49" charset="0"/>
+              </a:rPr>
+              <a:t>number</a:t>
+            </a:r>
+            <a:r>
+              <a:rPr lang="en-IN" sz="1400" b="0" dirty="0">
+                <a:solidFill>
+                  <a:srgbClr val="D4D4D4"/>
+                </a:solidFill>
+                <a:effectLst/>
+                <a:latin typeface="Consolas" panose="020B0609020204030204" pitchFamily="49" charset="0"/>
+              </a:rPr>
+              <a:t>: </a:t>
+            </a:r>
+            <a:r>
+              <a:rPr lang="en-IN" sz="1400" b="0" dirty="0">
+                <a:solidFill>
+                  <a:srgbClr val="B5CEA8"/>
+                </a:solidFill>
+                <a:effectLst/>
+                <a:latin typeface="Consolas" panose="020B0609020204030204" pitchFamily="49" charset="0"/>
+              </a:rPr>
+              <a:t>80</a:t>
+            </a:r>
+            <a:endParaRPr lang="en-IN" sz="1400" b="0" dirty="0">
+              <a:solidFill>
+                <a:srgbClr val="D4D4D4"/>
+              </a:solidFill>
+              <a:effectLst/>
+              <a:latin typeface="Consolas" panose="020B0609020204030204" pitchFamily="49" charset="0"/>
+            </a:endParaRPr>
+          </a:p>
+        </p:txBody>
+      </p:sp>
+    </p:spTree>
+    <p:extLst>
+      <p:ext uri="{BB962C8B-B14F-4D97-AF65-F5344CB8AC3E}">
+        <p14:creationId xmlns:p14="http://schemas.microsoft.com/office/powerpoint/2010/main" val="1210561811"/>
+      </p:ext>
+    </p:extLst>
+  </p:cSld>
+  <p:clrMapOvr>
+    <a:masterClrMapping/>
+  </p:clrMapOvr>
+</p:sld>
+</file>
+
+<file path=ppt/slides/slide11.xml><?xml version="1.0" encoding="utf-8"?>
+<p:sld xmlns:a="http://schemas.openxmlformats.org/drawingml/2006/main" xmlns:r="http://schemas.openxmlformats.org/officeDocument/2006/relationships" xmlns:p="http://schemas.openxmlformats.org/presentationml/2006/main">
+  <p:cSld>
+    <p:spTree>
+      <p:nvGrpSpPr>
+        <p:cNvPr id="1" name=""/>
+        <p:cNvGrpSpPr/>
+        <p:nvPr/>
+      </p:nvGrpSpPr>
+      <p:grpSpPr>
+        <a:xfrm>
+          <a:off x="0" y="0"/>
+          <a:ext cx="0" cy="0"/>
+          <a:chOff x="0" y="0"/>
+          <a:chExt cx="0" cy="0"/>
+        </a:xfrm>
+      </p:grpSpPr>
+      <p:sp>
+        <p:nvSpPr>
           <p:cNvPr id="2" name="object 2"/>
           <p:cNvSpPr txBox="1">
             <a:spLocks noGrp="1"/>
@@ -14996,7 +16168,7 @@
 </p:sld>
 </file>
 
-<file path=ppt/slides/slide11.xml><?xml version="1.0" encoding="utf-8"?>
+<file path=ppt/slides/slide12.xml><?xml version="1.0" encoding="utf-8"?>
 <p:sld xmlns:a="http://schemas.openxmlformats.org/drawingml/2006/main" xmlns:r="http://schemas.openxmlformats.org/officeDocument/2006/relationships" xmlns:p="http://schemas.openxmlformats.org/presentationml/2006/main">
   <p:cSld>
     <p:spTree>
@@ -15163,7 +16335,7 @@
 </p:sld>
 </file>
 
-<file path=ppt/slides/slide12.xml><?xml version="1.0" encoding="utf-8"?>
+<file path=ppt/slides/slide13.xml><?xml version="1.0" encoding="utf-8"?>
 <p:sld xmlns:a="http://schemas.openxmlformats.org/drawingml/2006/main" xmlns:r="http://schemas.openxmlformats.org/officeDocument/2006/relationships" xmlns:p="http://schemas.openxmlformats.org/presentationml/2006/main">
   <p:cSld>
     <p:spTree>
@@ -15296,7 +16468,7 @@
 </p:sld>
 </file>
 
-<file path=ppt/slides/slide13.xml><?xml version="1.0" encoding="utf-8"?>
+<file path=ppt/slides/slide14.xml><?xml version="1.0" encoding="utf-8"?>
 <p:sld xmlns:a="http://schemas.openxmlformats.org/drawingml/2006/main" xmlns:r="http://schemas.openxmlformats.org/officeDocument/2006/relationships" xmlns:p="http://schemas.openxmlformats.org/presentationml/2006/main">
   <p:cSld>
     <p:spTree>
@@ -15446,7 +16618,7 @@
 </p:sld>
 </file>
 
-<file path=ppt/slides/slide14.xml><?xml version="1.0" encoding="utf-8"?>
+<file path=ppt/slides/slide15.xml><?xml version="1.0" encoding="utf-8"?>
 <p:sld xmlns:a="http://schemas.openxmlformats.org/drawingml/2006/main" xmlns:r="http://schemas.openxmlformats.org/officeDocument/2006/relationships" xmlns:p="http://schemas.openxmlformats.org/presentationml/2006/main">
   <p:cSld>
     <p:spTree>
@@ -15556,7 +16728,7 @@
 </p:sld>
 </file>
 
-<file path=ppt/slides/slide15.xml><?xml version="1.0" encoding="utf-8"?>
+<file path=ppt/slides/slide16.xml><?xml version="1.0" encoding="utf-8"?>
 <p:sld xmlns:a="http://schemas.openxmlformats.org/drawingml/2006/main" xmlns:r="http://schemas.openxmlformats.org/officeDocument/2006/relationships" xmlns:p="http://schemas.openxmlformats.org/presentationml/2006/main">
   <p:cSld>
     <p:spTree>
@@ -16259,7 +17431,7 @@
 </p:sld>
 </file>
 
-<file path=ppt/slides/slide16.xml><?xml version="1.0" encoding="utf-8"?>
+<file path=ppt/slides/slide17.xml><?xml version="1.0" encoding="utf-8"?>
 <p:sld xmlns:a="http://schemas.openxmlformats.org/drawingml/2006/main" xmlns:r="http://schemas.openxmlformats.org/officeDocument/2006/relationships" xmlns:p="http://schemas.openxmlformats.org/presentationml/2006/main">
   <p:cSld>
     <p:spTree>
@@ -17880,6 +19052,791 @@
         </p:nvSpPr>
         <p:spPr>
           <a:xfrm>
+            <a:off x="4508521" y="1866901"/>
+            <a:ext cx="7429500" cy="3695700"/>
+          </a:xfrm>
+          <a:prstGeom prst="rect">
+            <a:avLst/>
+          </a:prstGeom>
+          <a:blipFill>
+            <a:blip r:embed="rId2" cstate="print"/>
+            <a:stretch>
+              <a:fillRect/>
+            </a:stretch>
+          </a:blipFill>
+        </p:spPr>
+        <p:txBody>
+          <a:bodyPr wrap="square" lIns="0" tIns="0" rIns="0" bIns="0" rtlCol="0"/>
+          <a:lstStyle/>
+          <a:p>
+            <a:endParaRPr sz="2400"/>
+          </a:p>
+        </p:txBody>
+      </p:sp>
+      <p:sp>
+        <p:nvSpPr>
+          <p:cNvPr id="3" name="object 3"/>
+          <p:cNvSpPr/>
+          <p:nvPr/>
+        </p:nvSpPr>
+        <p:spPr>
+          <a:xfrm>
+            <a:off x="4539325" y="1894148"/>
+            <a:ext cx="7305040" cy="3571240"/>
+          </a:xfrm>
+          <a:custGeom>
+            <a:avLst/>
+            <a:gdLst/>
+            <a:ahLst/>
+            <a:cxnLst/>
+            <a:rect l="l" t="t" r="r" b="b"/>
+            <a:pathLst>
+              <a:path w="5478780" h="2678429">
+                <a:moveTo>
+                  <a:pt x="5031851" y="0"/>
+                </a:moveTo>
+                <a:lnTo>
+                  <a:pt x="446410" y="0"/>
+                </a:lnTo>
+                <a:lnTo>
+                  <a:pt x="397772" y="2618"/>
+                </a:lnTo>
+                <a:lnTo>
+                  <a:pt x="350651" y="10291"/>
+                </a:lnTo>
+                <a:lnTo>
+                  <a:pt x="305318" y="22747"/>
+                </a:lnTo>
+                <a:lnTo>
+                  <a:pt x="262047" y="39715"/>
+                </a:lnTo>
+                <a:lnTo>
+                  <a:pt x="221108" y="60921"/>
+                </a:lnTo>
+                <a:lnTo>
+                  <a:pt x="182776" y="86095"/>
+                </a:lnTo>
+                <a:lnTo>
+                  <a:pt x="147321" y="114963"/>
+                </a:lnTo>
+                <a:lnTo>
+                  <a:pt x="115018" y="147254"/>
+                </a:lnTo>
+                <a:lnTo>
+                  <a:pt x="86137" y="182697"/>
+                </a:lnTo>
+                <a:lnTo>
+                  <a:pt x="60953" y="221018"/>
+                </a:lnTo>
+                <a:lnTo>
+                  <a:pt x="39736" y="261946"/>
+                </a:lnTo>
+                <a:lnTo>
+                  <a:pt x="22760" y="305209"/>
+                </a:lnTo>
+                <a:lnTo>
+                  <a:pt x="10297" y="350535"/>
+                </a:lnTo>
+                <a:lnTo>
+                  <a:pt x="2619" y="397652"/>
+                </a:lnTo>
+                <a:lnTo>
+                  <a:pt x="0" y="446288"/>
+                </a:lnTo>
+                <a:lnTo>
+                  <a:pt x="0" y="2231523"/>
+                </a:lnTo>
+                <a:lnTo>
+                  <a:pt x="2619" y="2280156"/>
+                </a:lnTo>
+                <a:lnTo>
+                  <a:pt x="10297" y="2327273"/>
+                </a:lnTo>
+                <a:lnTo>
+                  <a:pt x="22760" y="2372600"/>
+                </a:lnTo>
+                <a:lnTo>
+                  <a:pt x="39736" y="2415865"/>
+                </a:lnTo>
+                <a:lnTo>
+                  <a:pt x="60953" y="2456797"/>
+                </a:lnTo>
+                <a:lnTo>
+                  <a:pt x="86137" y="2495122"/>
+                </a:lnTo>
+                <a:lnTo>
+                  <a:pt x="115018" y="2530569"/>
+                </a:lnTo>
+                <a:lnTo>
+                  <a:pt x="147321" y="2562866"/>
+                </a:lnTo>
+                <a:lnTo>
+                  <a:pt x="182776" y="2591739"/>
+                </a:lnTo>
+                <a:lnTo>
+                  <a:pt x="221108" y="2616917"/>
+                </a:lnTo>
+                <a:lnTo>
+                  <a:pt x="262047" y="2638128"/>
+                </a:lnTo>
+                <a:lnTo>
+                  <a:pt x="305318" y="2655100"/>
+                </a:lnTo>
+                <a:lnTo>
+                  <a:pt x="350651" y="2667559"/>
+                </a:lnTo>
+                <a:lnTo>
+                  <a:pt x="397772" y="2675235"/>
+                </a:lnTo>
+                <a:lnTo>
+                  <a:pt x="446410" y="2677854"/>
+                </a:lnTo>
+                <a:lnTo>
+                  <a:pt x="5031851" y="2677854"/>
+                </a:lnTo>
+                <a:lnTo>
+                  <a:pt x="5080489" y="2675235"/>
+                </a:lnTo>
+                <a:lnTo>
+                  <a:pt x="5127610" y="2667559"/>
+                </a:lnTo>
+                <a:lnTo>
+                  <a:pt x="5172943" y="2655100"/>
+                </a:lnTo>
+                <a:lnTo>
+                  <a:pt x="5216214" y="2638128"/>
+                </a:lnTo>
+                <a:lnTo>
+                  <a:pt x="5257153" y="2616917"/>
+                </a:lnTo>
+                <a:lnTo>
+                  <a:pt x="5295485" y="2591739"/>
+                </a:lnTo>
+                <a:lnTo>
+                  <a:pt x="5330940" y="2562866"/>
+                </a:lnTo>
+                <a:lnTo>
+                  <a:pt x="5363243" y="2530569"/>
+                </a:lnTo>
+                <a:lnTo>
+                  <a:pt x="5392124" y="2495122"/>
+                </a:lnTo>
+                <a:lnTo>
+                  <a:pt x="5417308" y="2456797"/>
+                </a:lnTo>
+                <a:lnTo>
+                  <a:pt x="5438525" y="2415865"/>
+                </a:lnTo>
+                <a:lnTo>
+                  <a:pt x="5455501" y="2372600"/>
+                </a:lnTo>
+                <a:lnTo>
+                  <a:pt x="5467964" y="2327273"/>
+                </a:lnTo>
+                <a:lnTo>
+                  <a:pt x="5475642" y="2280156"/>
+                </a:lnTo>
+                <a:lnTo>
+                  <a:pt x="5478262" y="2231523"/>
+                </a:lnTo>
+                <a:lnTo>
+                  <a:pt x="5478262" y="446288"/>
+                </a:lnTo>
+                <a:lnTo>
+                  <a:pt x="5475642" y="397652"/>
+                </a:lnTo>
+                <a:lnTo>
+                  <a:pt x="5467964" y="350535"/>
+                </a:lnTo>
+                <a:lnTo>
+                  <a:pt x="5455501" y="305209"/>
+                </a:lnTo>
+                <a:lnTo>
+                  <a:pt x="5438525" y="261946"/>
+                </a:lnTo>
+                <a:lnTo>
+                  <a:pt x="5417308" y="221018"/>
+                </a:lnTo>
+                <a:lnTo>
+                  <a:pt x="5392124" y="182697"/>
+                </a:lnTo>
+                <a:lnTo>
+                  <a:pt x="5363243" y="147254"/>
+                </a:lnTo>
+                <a:lnTo>
+                  <a:pt x="5330940" y="114963"/>
+                </a:lnTo>
+                <a:lnTo>
+                  <a:pt x="5295485" y="86095"/>
+                </a:lnTo>
+                <a:lnTo>
+                  <a:pt x="5257153" y="60921"/>
+                </a:lnTo>
+                <a:lnTo>
+                  <a:pt x="5216214" y="39715"/>
+                </a:lnTo>
+                <a:lnTo>
+                  <a:pt x="5172943" y="22747"/>
+                </a:lnTo>
+                <a:lnTo>
+                  <a:pt x="5127610" y="10291"/>
+                </a:lnTo>
+                <a:lnTo>
+                  <a:pt x="5080489" y="2618"/>
+                </a:lnTo>
+                <a:lnTo>
+                  <a:pt x="5031851" y="0"/>
+                </a:lnTo>
+                <a:close/>
+              </a:path>
+            </a:pathLst>
+          </a:custGeom>
+          <a:solidFill>
+            <a:srgbClr val="FFFFFF"/>
+          </a:solidFill>
+        </p:spPr>
+        <p:txBody>
+          <a:bodyPr wrap="square" lIns="0" tIns="0" rIns="0" bIns="0" rtlCol="0"/>
+          <a:lstStyle/>
+          <a:p>
+            <a:endParaRPr sz="2400"/>
+          </a:p>
+        </p:txBody>
+      </p:sp>
+      <p:sp>
+        <p:nvSpPr>
+          <p:cNvPr id="4" name="object 4"/>
+          <p:cNvSpPr/>
+          <p:nvPr/>
+        </p:nvSpPr>
+        <p:spPr>
+          <a:xfrm>
+            <a:off x="4539325" y="1894148"/>
+            <a:ext cx="7305040" cy="3571240"/>
+          </a:xfrm>
+          <a:custGeom>
+            <a:avLst/>
+            <a:gdLst/>
+            <a:ahLst/>
+            <a:cxnLst/>
+            <a:rect l="l" t="t" r="r" b="b"/>
+            <a:pathLst>
+              <a:path w="5478780" h="2678429">
+                <a:moveTo>
+                  <a:pt x="0" y="446288"/>
+                </a:moveTo>
+                <a:lnTo>
+                  <a:pt x="2619" y="397652"/>
+                </a:lnTo>
+                <a:lnTo>
+                  <a:pt x="10297" y="350535"/>
+                </a:lnTo>
+                <a:lnTo>
+                  <a:pt x="22760" y="305209"/>
+                </a:lnTo>
+                <a:lnTo>
+                  <a:pt x="39736" y="261946"/>
+                </a:lnTo>
+                <a:lnTo>
+                  <a:pt x="60953" y="221018"/>
+                </a:lnTo>
+                <a:lnTo>
+                  <a:pt x="86137" y="182697"/>
+                </a:lnTo>
+                <a:lnTo>
+                  <a:pt x="115018" y="147254"/>
+                </a:lnTo>
+                <a:lnTo>
+                  <a:pt x="147321" y="114963"/>
+                </a:lnTo>
+                <a:lnTo>
+                  <a:pt x="182776" y="86095"/>
+                </a:lnTo>
+                <a:lnTo>
+                  <a:pt x="221108" y="60921"/>
+                </a:lnTo>
+                <a:lnTo>
+                  <a:pt x="262047" y="39715"/>
+                </a:lnTo>
+                <a:lnTo>
+                  <a:pt x="305318" y="22747"/>
+                </a:lnTo>
+                <a:lnTo>
+                  <a:pt x="350651" y="10291"/>
+                </a:lnTo>
+                <a:lnTo>
+                  <a:pt x="397772" y="2618"/>
+                </a:lnTo>
+                <a:lnTo>
+                  <a:pt x="446410" y="0"/>
+                </a:lnTo>
+                <a:lnTo>
+                  <a:pt x="5031851" y="0"/>
+                </a:lnTo>
+                <a:lnTo>
+                  <a:pt x="5080488" y="2618"/>
+                </a:lnTo>
+                <a:lnTo>
+                  <a:pt x="5127610" y="10291"/>
+                </a:lnTo>
+                <a:lnTo>
+                  <a:pt x="5172942" y="22747"/>
+                </a:lnTo>
+                <a:lnTo>
+                  <a:pt x="5216214" y="39715"/>
+                </a:lnTo>
+                <a:lnTo>
+                  <a:pt x="5257153" y="60921"/>
+                </a:lnTo>
+                <a:lnTo>
+                  <a:pt x="5295485" y="86095"/>
+                </a:lnTo>
+                <a:lnTo>
+                  <a:pt x="5330939" y="114963"/>
+                </a:lnTo>
+                <a:lnTo>
+                  <a:pt x="5363243" y="147254"/>
+                </a:lnTo>
+                <a:lnTo>
+                  <a:pt x="5392123" y="182697"/>
+                </a:lnTo>
+                <a:lnTo>
+                  <a:pt x="5417308" y="221018"/>
+                </a:lnTo>
+                <a:lnTo>
+                  <a:pt x="5438525" y="261946"/>
+                </a:lnTo>
+                <a:lnTo>
+                  <a:pt x="5455501" y="305209"/>
+                </a:lnTo>
+                <a:lnTo>
+                  <a:pt x="5467964" y="350535"/>
+                </a:lnTo>
+                <a:lnTo>
+                  <a:pt x="5475641" y="397652"/>
+                </a:lnTo>
+                <a:lnTo>
+                  <a:pt x="5478261" y="446288"/>
+                </a:lnTo>
+                <a:lnTo>
+                  <a:pt x="5478261" y="2231523"/>
+                </a:lnTo>
+                <a:lnTo>
+                  <a:pt x="5475641" y="2280156"/>
+                </a:lnTo>
+                <a:lnTo>
+                  <a:pt x="5467964" y="2327273"/>
+                </a:lnTo>
+                <a:lnTo>
+                  <a:pt x="5455501" y="2372600"/>
+                </a:lnTo>
+                <a:lnTo>
+                  <a:pt x="5438525" y="2415865"/>
+                </a:lnTo>
+                <a:lnTo>
+                  <a:pt x="5417308" y="2456797"/>
+                </a:lnTo>
+                <a:lnTo>
+                  <a:pt x="5392123" y="2495122"/>
+                </a:lnTo>
+                <a:lnTo>
+                  <a:pt x="5363243" y="2530569"/>
+                </a:lnTo>
+                <a:lnTo>
+                  <a:pt x="5330939" y="2562865"/>
+                </a:lnTo>
+                <a:lnTo>
+                  <a:pt x="5295485" y="2591739"/>
+                </a:lnTo>
+                <a:lnTo>
+                  <a:pt x="5257153" y="2616917"/>
+                </a:lnTo>
+                <a:lnTo>
+                  <a:pt x="5216214" y="2638128"/>
+                </a:lnTo>
+                <a:lnTo>
+                  <a:pt x="5172942" y="2655100"/>
+                </a:lnTo>
+                <a:lnTo>
+                  <a:pt x="5127610" y="2667559"/>
+                </a:lnTo>
+                <a:lnTo>
+                  <a:pt x="5080488" y="2675234"/>
+                </a:lnTo>
+                <a:lnTo>
+                  <a:pt x="5031851" y="2677853"/>
+                </a:lnTo>
+                <a:lnTo>
+                  <a:pt x="446410" y="2677853"/>
+                </a:lnTo>
+                <a:lnTo>
+                  <a:pt x="397772" y="2675234"/>
+                </a:lnTo>
+                <a:lnTo>
+                  <a:pt x="350651" y="2667559"/>
+                </a:lnTo>
+                <a:lnTo>
+                  <a:pt x="305318" y="2655100"/>
+                </a:lnTo>
+                <a:lnTo>
+                  <a:pt x="262047" y="2638128"/>
+                </a:lnTo>
+                <a:lnTo>
+                  <a:pt x="221108" y="2616917"/>
+                </a:lnTo>
+                <a:lnTo>
+                  <a:pt x="182776" y="2591739"/>
+                </a:lnTo>
+                <a:lnTo>
+                  <a:pt x="147321" y="2562865"/>
+                </a:lnTo>
+                <a:lnTo>
+                  <a:pt x="115018" y="2530569"/>
+                </a:lnTo>
+                <a:lnTo>
+                  <a:pt x="86137" y="2495122"/>
+                </a:lnTo>
+                <a:lnTo>
+                  <a:pt x="60953" y="2456797"/>
+                </a:lnTo>
+                <a:lnTo>
+                  <a:pt x="39736" y="2415865"/>
+                </a:lnTo>
+                <a:lnTo>
+                  <a:pt x="22760" y="2372600"/>
+                </a:lnTo>
+                <a:lnTo>
+                  <a:pt x="10297" y="2327273"/>
+                </a:lnTo>
+                <a:lnTo>
+                  <a:pt x="2619" y="2280156"/>
+                </a:lnTo>
+                <a:lnTo>
+                  <a:pt x="0" y="2231523"/>
+                </a:lnTo>
+                <a:lnTo>
+                  <a:pt x="0" y="446288"/>
+                </a:lnTo>
+                <a:close/>
+              </a:path>
+            </a:pathLst>
+          </a:custGeom>
+          <a:ln w="12700">
+            <a:solidFill>
+              <a:srgbClr val="AF5C04"/>
+            </a:solidFill>
+          </a:ln>
+        </p:spPr>
+        <p:txBody>
+          <a:bodyPr wrap="square" lIns="0" tIns="0" rIns="0" bIns="0" rtlCol="0"/>
+          <a:lstStyle/>
+          <a:p>
+            <a:endParaRPr sz="2400"/>
+          </a:p>
+        </p:txBody>
+      </p:sp>
+      <p:sp>
+        <p:nvSpPr>
+          <p:cNvPr id="5" name="object 5"/>
+          <p:cNvSpPr txBox="1">
+            <a:spLocks noGrp="1"/>
+          </p:cNvSpPr>
+          <p:nvPr>
+            <p:ph type="title"/>
+          </p:nvPr>
+        </p:nvSpPr>
+        <p:spPr>
+          <a:xfrm>
+            <a:off x="341208" y="225171"/>
+            <a:ext cx="8396393" cy="637781"/>
+          </a:xfrm>
+          <a:prstGeom prst="rect">
+            <a:avLst/>
+          </a:prstGeom>
+        </p:spPr>
+        <p:txBody>
+          <a:bodyPr vert="horz" wrap="square" lIns="0" tIns="22013" rIns="0" bIns="0" rtlCol="0" anchor="ctr">
+            <a:spAutoFit/>
+          </a:bodyPr>
+          <a:lstStyle/>
+          <a:p>
+            <a:pPr marL="16933">
+              <a:lnSpc>
+                <a:spcPct val="100000"/>
+              </a:lnSpc>
+              <a:spcBef>
+                <a:spcPts val="173"/>
+              </a:spcBef>
+            </a:pPr>
+            <a:r>
+              <a:rPr spc="13" dirty="0"/>
+              <a:t>Introduction </a:t>
+            </a:r>
+            <a:r>
+              <a:rPr spc="20" dirty="0"/>
+              <a:t>to</a:t>
+            </a:r>
+            <a:r>
+              <a:rPr spc="-27" dirty="0"/>
+              <a:t> </a:t>
+            </a:r>
+            <a:r>
+              <a:rPr spc="20" dirty="0"/>
+              <a:t>Kubernetes</a:t>
+            </a:r>
+          </a:p>
+        </p:txBody>
+      </p:sp>
+      <p:sp>
+        <p:nvSpPr>
+          <p:cNvPr id="6" name="object 6"/>
+          <p:cNvSpPr/>
+          <p:nvPr/>
+        </p:nvSpPr>
+        <p:spPr>
+          <a:xfrm>
+            <a:off x="758444" y="2661241"/>
+            <a:ext cx="2463800" cy="2389803"/>
+          </a:xfrm>
+          <a:prstGeom prst="rect">
+            <a:avLst/>
+          </a:prstGeom>
+          <a:blipFill>
+            <a:blip r:embed="rId3" cstate="print"/>
+            <a:stretch>
+              <a:fillRect/>
+            </a:stretch>
+          </a:blipFill>
+        </p:spPr>
+        <p:txBody>
+          <a:bodyPr wrap="square" lIns="0" tIns="0" rIns="0" bIns="0" rtlCol="0"/>
+          <a:lstStyle/>
+          <a:p>
+            <a:endParaRPr sz="2400"/>
+          </a:p>
+        </p:txBody>
+      </p:sp>
+      <p:sp>
+        <p:nvSpPr>
+          <p:cNvPr id="8" name="object 8"/>
+          <p:cNvSpPr/>
+          <p:nvPr/>
+        </p:nvSpPr>
+        <p:spPr>
+          <a:xfrm>
+            <a:off x="4983806" y="2366333"/>
+            <a:ext cx="249868" cy="249868"/>
+          </a:xfrm>
+          <a:prstGeom prst="rect">
+            <a:avLst/>
+          </a:prstGeom>
+          <a:blipFill>
+            <a:blip r:embed="rId4" cstate="print"/>
+            <a:stretch>
+              <a:fillRect/>
+            </a:stretch>
+          </a:blipFill>
+        </p:spPr>
+        <p:txBody>
+          <a:bodyPr wrap="square" lIns="0" tIns="0" rIns="0" bIns="0" rtlCol="0"/>
+          <a:lstStyle/>
+          <a:p>
+            <a:endParaRPr sz="2400"/>
+          </a:p>
+        </p:txBody>
+      </p:sp>
+      <p:sp>
+        <p:nvSpPr>
+          <p:cNvPr id="9" name="object 9"/>
+          <p:cNvSpPr/>
+          <p:nvPr/>
+        </p:nvSpPr>
+        <p:spPr>
+          <a:xfrm>
+            <a:off x="4969255" y="3382333"/>
+            <a:ext cx="249868" cy="249868"/>
+          </a:xfrm>
+          <a:prstGeom prst="rect">
+            <a:avLst/>
+          </a:prstGeom>
+          <a:blipFill>
+            <a:blip r:embed="rId4" cstate="print"/>
+            <a:stretch>
+              <a:fillRect/>
+            </a:stretch>
+          </a:blipFill>
+        </p:spPr>
+        <p:txBody>
+          <a:bodyPr wrap="square" lIns="0" tIns="0" rIns="0" bIns="0" rtlCol="0"/>
+          <a:lstStyle/>
+          <a:p>
+            <a:endParaRPr sz="2400"/>
+          </a:p>
+        </p:txBody>
+      </p:sp>
+      <p:sp>
+        <p:nvSpPr>
+          <p:cNvPr id="10" name="object 10"/>
+          <p:cNvSpPr/>
+          <p:nvPr/>
+        </p:nvSpPr>
+        <p:spPr>
+          <a:xfrm>
+            <a:off x="4976530" y="3835401"/>
+            <a:ext cx="249868" cy="249868"/>
+          </a:xfrm>
+          <a:prstGeom prst="rect">
+            <a:avLst/>
+          </a:prstGeom>
+          <a:blipFill>
+            <a:blip r:embed="rId4" cstate="print"/>
+            <a:stretch>
+              <a:fillRect/>
+            </a:stretch>
+          </a:blipFill>
+        </p:spPr>
+        <p:txBody>
+          <a:bodyPr wrap="square" lIns="0" tIns="0" rIns="0" bIns="0" rtlCol="0"/>
+          <a:lstStyle/>
+          <a:p>
+            <a:endParaRPr sz="2400"/>
+          </a:p>
+        </p:txBody>
+      </p:sp>
+      <p:sp>
+        <p:nvSpPr>
+          <p:cNvPr id="11" name="object 11"/>
+          <p:cNvSpPr/>
+          <p:nvPr/>
+        </p:nvSpPr>
+        <p:spPr>
+          <a:xfrm>
+            <a:off x="4969255" y="4343401"/>
+            <a:ext cx="249868" cy="249868"/>
+          </a:xfrm>
+          <a:prstGeom prst="rect">
+            <a:avLst/>
+          </a:prstGeom>
+          <a:blipFill>
+            <a:blip r:embed="rId4" cstate="print"/>
+            <a:stretch>
+              <a:fillRect/>
+            </a:stretch>
+          </a:blipFill>
+        </p:spPr>
+        <p:txBody>
+          <a:bodyPr wrap="square" lIns="0" tIns="0" rIns="0" bIns="0" rtlCol="0"/>
+          <a:lstStyle/>
+          <a:p>
+            <a:endParaRPr sz="2400"/>
+          </a:p>
+        </p:txBody>
+      </p:sp>
+      <p:sp>
+        <p:nvSpPr>
+          <p:cNvPr id="12" name="Rectangle 11">
+            <a:extLst>
+              <a:ext uri="{FF2B5EF4-FFF2-40B4-BE49-F238E27FC236}">
+                <a16:creationId xmlns:a16="http://schemas.microsoft.com/office/drawing/2014/main" id="{0C2B077A-7F96-4E7E-A9B7-CF60395FE6CA}"/>
+              </a:ext>
+            </a:extLst>
+          </p:cNvPr>
+          <p:cNvSpPr/>
+          <p:nvPr/>
+        </p:nvSpPr>
+        <p:spPr>
+          <a:xfrm>
+            <a:off x="5312187" y="2166362"/>
+            <a:ext cx="6326124" cy="2995757"/>
+          </a:xfrm>
+          <a:prstGeom prst="rect">
+            <a:avLst/>
+          </a:prstGeom>
+        </p:spPr>
+        <p:txBody>
+          <a:bodyPr wrap="square">
+            <a:spAutoFit/>
+          </a:bodyPr>
+          <a:lstStyle/>
+          <a:p>
+            <a:pPr>
+              <a:lnSpc>
+                <a:spcPct val="150000"/>
+              </a:lnSpc>
+            </a:pPr>
+            <a:r>
+              <a:rPr lang="en-IN" sz="2133" dirty="0"/>
+              <a:t> Kubernetes is an open-source container orchestration software.</a:t>
+            </a:r>
+          </a:p>
+          <a:p>
+            <a:pPr>
+              <a:lnSpc>
+                <a:spcPct val="150000"/>
+              </a:lnSpc>
+            </a:pPr>
+            <a:r>
+              <a:rPr lang="en-IN" sz="2133" dirty="0"/>
+              <a:t>It was originally developed by Google.  </a:t>
+            </a:r>
+          </a:p>
+          <a:p>
+            <a:pPr>
+              <a:lnSpc>
+                <a:spcPct val="150000"/>
+              </a:lnSpc>
+            </a:pPr>
+            <a:r>
+              <a:rPr lang="en-IN" sz="2133" dirty="0"/>
+              <a:t>It was first released on July 21, 2015.</a:t>
+            </a:r>
+          </a:p>
+          <a:p>
+            <a:pPr>
+              <a:lnSpc>
+                <a:spcPct val="150000"/>
+              </a:lnSpc>
+            </a:pPr>
+            <a:r>
+              <a:rPr lang="en-IN" sz="2133" dirty="0"/>
+              <a:t>It is the ninth most active repository on GitHub in terms of number of commits.</a:t>
+            </a:r>
+          </a:p>
+        </p:txBody>
+      </p:sp>
+    </p:spTree>
+  </p:cSld>
+  <p:clrMapOvr>
+    <a:masterClrMapping/>
+  </p:clrMapOvr>
+</p:sld>
+</file>
+
+<file path=ppt/slides/slide4.xml><?xml version="1.0" encoding="utf-8"?>
+<p:sld xmlns:a="http://schemas.openxmlformats.org/drawingml/2006/main" xmlns:r="http://schemas.openxmlformats.org/officeDocument/2006/relationships" xmlns:p="http://schemas.openxmlformats.org/presentationml/2006/main">
+  <p:cSld>
+    <p:spTree>
+      <p:nvGrpSpPr>
+        <p:cNvPr id="1" name=""/>
+        <p:cNvGrpSpPr/>
+        <p:nvPr/>
+      </p:nvGrpSpPr>
+      <p:grpSpPr>
+        <a:xfrm>
+          <a:off x="0" y="0"/>
+          <a:ext cx="0" cy="0"/>
+          <a:chOff x="0" y="0"/>
+          <a:chExt cx="0" cy="0"/>
+        </a:xfrm>
+      </p:grpSpPr>
+      <p:sp>
+        <p:nvSpPr>
+          <p:cNvPr id="2" name="object 2"/>
+          <p:cNvSpPr/>
+          <p:nvPr/>
+        </p:nvSpPr>
+        <p:spPr>
+          <a:xfrm>
             <a:off x="3746500" y="1549401"/>
             <a:ext cx="3886200" cy="1689100"/>
           </a:xfrm>
@@ -19320,7 +21277,7 @@
 </p:sld>
 </file>
 
-<file path=ppt/slides/slide4.xml><?xml version="1.0" encoding="utf-8"?>
+<file path=ppt/slides/slide5.xml><?xml version="1.0" encoding="utf-8"?>
 <p:sld xmlns:a="http://schemas.openxmlformats.org/drawingml/2006/main" xmlns:r="http://schemas.openxmlformats.org/officeDocument/2006/relationships" xmlns:p="http://schemas.openxmlformats.org/presentationml/2006/main">
   <p:cSld>
     <p:spTree>
@@ -19425,7 +21382,7 @@
 </p:sld>
 </file>
 
-<file path=ppt/slides/slide5.xml><?xml version="1.0" encoding="utf-8"?>
+<file path=ppt/slides/slide6.xml><?xml version="1.0" encoding="utf-8"?>
 <p:sld xmlns:a="http://schemas.openxmlformats.org/drawingml/2006/main" xmlns:r="http://schemas.openxmlformats.org/officeDocument/2006/relationships" xmlns:p="http://schemas.openxmlformats.org/presentationml/2006/main">
   <p:cSld>
     <p:spTree>
@@ -20545,7 +22502,7 @@
 </p:sld>
 </file>
 
-<file path=ppt/slides/slide6.xml><?xml version="1.0" encoding="utf-8"?>
+<file path=ppt/slides/slide7.xml><?xml version="1.0" encoding="utf-8"?>
 <p:sld xmlns:a="http://schemas.openxmlformats.org/drawingml/2006/main" xmlns:r="http://schemas.openxmlformats.org/officeDocument/2006/relationships" xmlns:p="http://schemas.openxmlformats.org/presentationml/2006/main">
   <p:cSld>
     <p:spTree>
@@ -20655,7 +22612,7 @@
 </p:sld>
 </file>
 
-<file path=ppt/slides/slide7.xml><?xml version="1.0" encoding="utf-8"?>
+<file path=ppt/slides/slide8.xml><?xml version="1.0" encoding="utf-8"?>
 <p:sld xmlns:a="http://schemas.openxmlformats.org/drawingml/2006/main" xmlns:r="http://schemas.openxmlformats.org/officeDocument/2006/relationships" xmlns:p="http://schemas.openxmlformats.org/presentationml/2006/main">
   <p:cSld>
     <p:spTree>
@@ -21461,7 +23418,7 @@
 </p:sld>
 </file>
 
-<file path=ppt/slides/slide8.xml><?xml version="1.0" encoding="utf-8"?>
+<file path=ppt/slides/slide9.xml><?xml version="1.0" encoding="utf-8"?>
 <p:sld xmlns:a="http://schemas.openxmlformats.org/drawingml/2006/main" xmlns:r="http://schemas.openxmlformats.org/officeDocument/2006/relationships" xmlns:p="http://schemas.openxmlformats.org/presentationml/2006/main">
   <p:cSld>
     <p:spTree>
@@ -21562,1177 +23519,6 @@
     <p:extLst>
       <p:ext uri="{BB962C8B-B14F-4D97-AF65-F5344CB8AC3E}">
         <p14:creationId xmlns:p14="http://schemas.microsoft.com/office/powerpoint/2010/main" val="1511547589"/>
-      </p:ext>
-    </p:extLst>
-  </p:cSld>
-  <p:clrMapOvr>
-    <a:masterClrMapping/>
-  </p:clrMapOvr>
-</p:sld>
-</file>
-
-<file path=ppt/slides/slide9.xml><?xml version="1.0" encoding="utf-8"?>
-<p:sld xmlns:a="http://schemas.openxmlformats.org/drawingml/2006/main" xmlns:r="http://schemas.openxmlformats.org/officeDocument/2006/relationships" xmlns:p="http://schemas.openxmlformats.org/presentationml/2006/main">
-  <p:cSld>
-    <p:spTree>
-      <p:nvGrpSpPr>
-        <p:cNvPr id="1" name=""/>
-        <p:cNvGrpSpPr/>
-        <p:nvPr/>
-      </p:nvGrpSpPr>
-      <p:grpSpPr>
-        <a:xfrm>
-          <a:off x="0" y="0"/>
-          <a:ext cx="0" cy="0"/>
-          <a:chOff x="0" y="0"/>
-          <a:chExt cx="0" cy="0"/>
-        </a:xfrm>
-      </p:grpSpPr>
-      <p:sp>
-        <p:nvSpPr>
-          <p:cNvPr id="5" name="object 5"/>
-          <p:cNvSpPr txBox="1"/>
-          <p:nvPr/>
-        </p:nvSpPr>
-        <p:spPr>
-          <a:xfrm>
-            <a:off x="1725205" y="183049"/>
-            <a:ext cx="10805930" cy="637781"/>
-          </a:xfrm>
-          <a:prstGeom prst="rect">
-            <a:avLst/>
-          </a:prstGeom>
-        </p:spPr>
-        <p:txBody>
-          <a:bodyPr vert="horz" wrap="square" lIns="0" tIns="22013" rIns="0" bIns="0" rtlCol="0" anchor="ctr">
-            <a:spAutoFit/>
-          </a:bodyPr>
-          <a:lstStyle>
-            <a:lvl1pPr marL="16933" algn="ctr">
-              <a:lnSpc>
-                <a:spcPct val="100000"/>
-              </a:lnSpc>
-              <a:spcBef>
-                <a:spcPts val="173"/>
-              </a:spcBef>
-              <a:buNone/>
-              <a:defRPr sz="4000" b="1" i="0" spc="13">
-                <a:ea typeface="+mj-ea"/>
-                <a:cs typeface="+mj-cs"/>
-              </a:defRPr>
-            </a:lvl1pPr>
-          </a:lstStyle>
-          <a:p>
-            <a:pPr algn="l"/>
-            <a:r>
-              <a:rPr lang="en-IN" b="0" dirty="0"/>
-              <a:t>Kubernetes Ingress</a:t>
-            </a:r>
-            <a:endParaRPr b="0" dirty="0"/>
-          </a:p>
-        </p:txBody>
-      </p:sp>
-      <p:sp>
-        <p:nvSpPr>
-          <p:cNvPr id="6" name="object 6"/>
-          <p:cNvSpPr txBox="1"/>
-          <p:nvPr/>
-        </p:nvSpPr>
-        <p:spPr>
-          <a:xfrm>
-            <a:off x="2262457" y="1257228"/>
-            <a:ext cx="7183120" cy="247077"/>
-          </a:xfrm>
-          <a:prstGeom prst="rect">
-            <a:avLst/>
-          </a:prstGeom>
-        </p:spPr>
-        <p:txBody>
-          <a:bodyPr vert="horz" wrap="square" lIns="0" tIns="31327" rIns="0" bIns="0" rtlCol="0">
-            <a:spAutoFit/>
-          </a:bodyPr>
-          <a:lstStyle/>
-          <a:p>
-            <a:endParaRPr lang="en-IN" sz="1400" b="0" dirty="0">
-              <a:solidFill>
-                <a:srgbClr val="D4D4D4"/>
-              </a:solidFill>
-              <a:effectLst/>
-              <a:latin typeface="Consolas" panose="020B0609020204030204" pitchFamily="49" charset="0"/>
-            </a:endParaRPr>
-          </a:p>
-        </p:txBody>
-      </p:sp>
-      <p:sp>
-        <p:nvSpPr>
-          <p:cNvPr id="11" name="Rectangle: Rounded Corners 10">
-            <a:extLst>
-              <a:ext uri="{FF2B5EF4-FFF2-40B4-BE49-F238E27FC236}">
-                <a16:creationId xmlns:a16="http://schemas.microsoft.com/office/drawing/2014/main" id="{2762EBC7-2EBD-4E19-9E36-AB46BE8213C6}"/>
-              </a:ext>
-            </a:extLst>
-          </p:cNvPr>
-          <p:cNvSpPr/>
-          <p:nvPr/>
-        </p:nvSpPr>
-        <p:spPr>
-          <a:xfrm>
-            <a:off x="2746423" y="855079"/>
-            <a:ext cx="5358581" cy="5520975"/>
-          </a:xfrm>
-          <a:prstGeom prst="roundRect">
-            <a:avLst>
-              <a:gd name="adj" fmla="val 7063"/>
-            </a:avLst>
-          </a:prstGeom>
-        </p:spPr>
-        <p:style>
-          <a:lnRef idx="2">
-            <a:schemeClr val="accent1"/>
-          </a:lnRef>
-          <a:fillRef idx="1">
-            <a:schemeClr val="lt1"/>
-          </a:fillRef>
-          <a:effectRef idx="0">
-            <a:schemeClr val="accent1"/>
-          </a:effectRef>
-          <a:fontRef idx="minor">
-            <a:schemeClr val="dk1"/>
-          </a:fontRef>
-        </p:style>
-        <p:txBody>
-          <a:bodyPr rtlCol="0" anchor="ctr"/>
-          <a:lstStyle/>
-          <a:p>
-            <a:r>
-              <a:rPr lang="en-IN" sz="1400" b="0" dirty="0" err="1">
-                <a:solidFill>
-                  <a:srgbClr val="569CD6"/>
-                </a:solidFill>
-                <a:effectLst/>
-                <a:latin typeface="Consolas" panose="020B0609020204030204" pitchFamily="49" charset="0"/>
-              </a:rPr>
-              <a:t>apiVersion</a:t>
-            </a:r>
-            <a:r>
-              <a:rPr lang="en-IN" sz="1400" b="0" dirty="0">
-                <a:solidFill>
-                  <a:srgbClr val="D4D4D4"/>
-                </a:solidFill>
-                <a:effectLst/>
-                <a:latin typeface="Consolas" panose="020B0609020204030204" pitchFamily="49" charset="0"/>
-              </a:rPr>
-              <a:t>: </a:t>
-            </a:r>
-            <a:r>
-              <a:rPr lang="en-IN" sz="1400" b="0" dirty="0">
-                <a:solidFill>
-                  <a:srgbClr val="CE9178"/>
-                </a:solidFill>
-                <a:effectLst/>
-                <a:latin typeface="Consolas" panose="020B0609020204030204" pitchFamily="49" charset="0"/>
-              </a:rPr>
-              <a:t>networking.k8s.io/v1</a:t>
-            </a:r>
-            <a:endParaRPr lang="en-IN" sz="1400" b="0" dirty="0">
-              <a:solidFill>
-                <a:srgbClr val="D4D4D4"/>
-              </a:solidFill>
-              <a:effectLst/>
-              <a:latin typeface="Consolas" panose="020B0609020204030204" pitchFamily="49" charset="0"/>
-            </a:endParaRPr>
-          </a:p>
-          <a:p>
-            <a:r>
-              <a:rPr lang="en-IN" sz="1400" b="0" dirty="0">
-                <a:solidFill>
-                  <a:srgbClr val="569CD6"/>
-                </a:solidFill>
-                <a:effectLst/>
-                <a:latin typeface="Consolas" panose="020B0609020204030204" pitchFamily="49" charset="0"/>
-              </a:rPr>
-              <a:t>kind</a:t>
-            </a:r>
-            <a:r>
-              <a:rPr lang="en-IN" sz="1400" b="0" dirty="0">
-                <a:solidFill>
-                  <a:srgbClr val="D4D4D4"/>
-                </a:solidFill>
-                <a:effectLst/>
-                <a:latin typeface="Consolas" panose="020B0609020204030204" pitchFamily="49" charset="0"/>
-              </a:rPr>
-              <a:t>: </a:t>
-            </a:r>
-            <a:r>
-              <a:rPr lang="en-IN" sz="1400" b="0" dirty="0">
-                <a:solidFill>
-                  <a:srgbClr val="CE9178"/>
-                </a:solidFill>
-                <a:effectLst/>
-                <a:latin typeface="Consolas" panose="020B0609020204030204" pitchFamily="49" charset="0"/>
-              </a:rPr>
-              <a:t>Ingress</a:t>
-            </a:r>
-            <a:endParaRPr lang="en-IN" sz="1400" b="0" dirty="0">
-              <a:solidFill>
-                <a:srgbClr val="D4D4D4"/>
-              </a:solidFill>
-              <a:effectLst/>
-              <a:latin typeface="Consolas" panose="020B0609020204030204" pitchFamily="49" charset="0"/>
-            </a:endParaRPr>
-          </a:p>
-          <a:p>
-            <a:r>
-              <a:rPr lang="en-IN" sz="1400" b="0" dirty="0">
-                <a:solidFill>
-                  <a:srgbClr val="569CD6"/>
-                </a:solidFill>
-                <a:effectLst/>
-                <a:latin typeface="Consolas" panose="020B0609020204030204" pitchFamily="49" charset="0"/>
-              </a:rPr>
-              <a:t>metadata</a:t>
-            </a:r>
-            <a:r>
-              <a:rPr lang="en-IN" sz="1400" b="0" dirty="0">
-                <a:solidFill>
-                  <a:srgbClr val="D4D4D4"/>
-                </a:solidFill>
-                <a:effectLst/>
-                <a:latin typeface="Consolas" panose="020B0609020204030204" pitchFamily="49" charset="0"/>
-              </a:rPr>
-              <a:t>:</a:t>
-            </a:r>
-          </a:p>
-          <a:p>
-            <a:r>
-              <a:rPr lang="en-IN" sz="1400" b="0" dirty="0">
-                <a:solidFill>
-                  <a:srgbClr val="D4D4D4"/>
-                </a:solidFill>
-                <a:effectLst/>
-                <a:latin typeface="Consolas" panose="020B0609020204030204" pitchFamily="49" charset="0"/>
-              </a:rPr>
-              <a:t>  </a:t>
-            </a:r>
-            <a:r>
-              <a:rPr lang="en-IN" sz="1400" b="0" dirty="0">
-                <a:solidFill>
-                  <a:srgbClr val="569CD6"/>
-                </a:solidFill>
-                <a:effectLst/>
-                <a:latin typeface="Consolas" panose="020B0609020204030204" pitchFamily="49" charset="0"/>
-              </a:rPr>
-              <a:t>name</a:t>
-            </a:r>
-            <a:r>
-              <a:rPr lang="en-IN" sz="1400" b="0" dirty="0">
-                <a:solidFill>
-                  <a:srgbClr val="D4D4D4"/>
-                </a:solidFill>
-                <a:effectLst/>
-                <a:latin typeface="Consolas" panose="020B0609020204030204" pitchFamily="49" charset="0"/>
-              </a:rPr>
-              <a:t>: </a:t>
-            </a:r>
-            <a:r>
-              <a:rPr lang="en-IN" sz="1400" b="0" dirty="0">
-                <a:solidFill>
-                  <a:srgbClr val="CE9178"/>
-                </a:solidFill>
-                <a:effectLst/>
-                <a:latin typeface="Consolas" panose="020B0609020204030204" pitchFamily="49" charset="0"/>
-              </a:rPr>
-              <a:t>ingress-</a:t>
-            </a:r>
-            <a:r>
-              <a:rPr lang="en-IN" sz="1400" b="0" dirty="0" err="1">
-                <a:solidFill>
-                  <a:srgbClr val="CE9178"/>
-                </a:solidFill>
-                <a:effectLst/>
-                <a:latin typeface="Consolas" panose="020B0609020204030204" pitchFamily="49" charset="0"/>
-              </a:rPr>
-              <a:t>nginx</a:t>
-            </a:r>
-            <a:endParaRPr lang="en-IN" sz="1400" b="0" dirty="0">
-              <a:solidFill>
-                <a:srgbClr val="D4D4D4"/>
-              </a:solidFill>
-              <a:effectLst/>
-              <a:latin typeface="Consolas" panose="020B0609020204030204" pitchFamily="49" charset="0"/>
-            </a:endParaRPr>
-          </a:p>
-          <a:p>
-            <a:r>
-              <a:rPr lang="en-IN" sz="1400" b="0" dirty="0">
-                <a:solidFill>
-                  <a:srgbClr val="D4D4D4"/>
-                </a:solidFill>
-                <a:effectLst/>
-                <a:latin typeface="Consolas" panose="020B0609020204030204" pitchFamily="49" charset="0"/>
-              </a:rPr>
-              <a:t>  </a:t>
-            </a:r>
-            <a:r>
-              <a:rPr lang="en-IN" sz="1400" b="0" dirty="0">
-                <a:solidFill>
-                  <a:srgbClr val="569CD6"/>
-                </a:solidFill>
-                <a:effectLst/>
-                <a:latin typeface="Consolas" panose="020B0609020204030204" pitchFamily="49" charset="0"/>
-              </a:rPr>
-              <a:t>namespace</a:t>
-            </a:r>
-            <a:r>
-              <a:rPr lang="en-IN" sz="1400" b="0" dirty="0">
-                <a:solidFill>
-                  <a:srgbClr val="D4D4D4"/>
-                </a:solidFill>
-                <a:effectLst/>
-                <a:latin typeface="Consolas" panose="020B0609020204030204" pitchFamily="49" charset="0"/>
-              </a:rPr>
-              <a:t>: </a:t>
-            </a:r>
-            <a:r>
-              <a:rPr lang="en-IN" sz="1400" b="0" dirty="0">
-                <a:solidFill>
-                  <a:srgbClr val="CE9178"/>
-                </a:solidFill>
-                <a:effectLst/>
-                <a:latin typeface="Consolas" panose="020B0609020204030204" pitchFamily="49" charset="0"/>
-              </a:rPr>
-              <a:t>web</a:t>
-            </a:r>
-            <a:endParaRPr lang="en-IN" sz="1400" b="0" dirty="0">
-              <a:solidFill>
-                <a:srgbClr val="D4D4D4"/>
-              </a:solidFill>
-              <a:effectLst/>
-              <a:latin typeface="Consolas" panose="020B0609020204030204" pitchFamily="49" charset="0"/>
-            </a:endParaRPr>
-          </a:p>
-          <a:p>
-            <a:r>
-              <a:rPr lang="en-IN" sz="1400" b="0" dirty="0">
-                <a:solidFill>
-                  <a:srgbClr val="D4D4D4"/>
-                </a:solidFill>
-                <a:effectLst/>
-                <a:latin typeface="Consolas" panose="020B0609020204030204" pitchFamily="49" charset="0"/>
-              </a:rPr>
-              <a:t>  </a:t>
-            </a:r>
-            <a:r>
-              <a:rPr lang="en-IN" sz="1400" b="0" dirty="0">
-                <a:solidFill>
-                  <a:srgbClr val="569CD6"/>
-                </a:solidFill>
-                <a:effectLst/>
-                <a:latin typeface="Consolas" panose="020B0609020204030204" pitchFamily="49" charset="0"/>
-              </a:rPr>
-              <a:t>annotations</a:t>
-            </a:r>
-            <a:r>
-              <a:rPr lang="en-IN" sz="1400" b="0" dirty="0">
-                <a:solidFill>
-                  <a:srgbClr val="D4D4D4"/>
-                </a:solidFill>
-                <a:effectLst/>
-                <a:latin typeface="Consolas" panose="020B0609020204030204" pitchFamily="49" charset="0"/>
-              </a:rPr>
-              <a:t>:</a:t>
-            </a:r>
-          </a:p>
-          <a:p>
-            <a:r>
-              <a:rPr lang="en-IN" sz="1400" b="0" dirty="0">
-                <a:solidFill>
-                  <a:srgbClr val="D4D4D4"/>
-                </a:solidFill>
-                <a:effectLst/>
-                <a:latin typeface="Consolas" panose="020B0609020204030204" pitchFamily="49" charset="0"/>
-              </a:rPr>
-              <a:t>    </a:t>
-            </a:r>
-            <a:r>
-              <a:rPr lang="en-IN" sz="1400" b="0" dirty="0">
-                <a:solidFill>
-                  <a:srgbClr val="569CD6"/>
-                </a:solidFill>
-                <a:effectLst/>
-                <a:latin typeface="Consolas" panose="020B0609020204030204" pitchFamily="49" charset="0"/>
-              </a:rPr>
-              <a:t>kubernetes.io/</a:t>
-            </a:r>
-            <a:r>
-              <a:rPr lang="en-IN" sz="1400" b="0" dirty="0" err="1">
-                <a:solidFill>
-                  <a:srgbClr val="569CD6"/>
-                </a:solidFill>
-                <a:effectLst/>
-                <a:latin typeface="Consolas" panose="020B0609020204030204" pitchFamily="49" charset="0"/>
-              </a:rPr>
-              <a:t>ingress.class</a:t>
-            </a:r>
-            <a:r>
-              <a:rPr lang="en-IN" sz="1400" b="0" dirty="0">
-                <a:solidFill>
-                  <a:srgbClr val="D4D4D4"/>
-                </a:solidFill>
-                <a:effectLst/>
-                <a:latin typeface="Consolas" panose="020B0609020204030204" pitchFamily="49" charset="0"/>
-              </a:rPr>
-              <a:t>: </a:t>
-            </a:r>
-            <a:r>
-              <a:rPr lang="en-IN" sz="1400" b="0" dirty="0">
-                <a:solidFill>
-                  <a:srgbClr val="CE9178"/>
-                </a:solidFill>
-                <a:effectLst/>
-                <a:latin typeface="Consolas" panose="020B0609020204030204" pitchFamily="49" charset="0"/>
-              </a:rPr>
-              <a:t>"</a:t>
-            </a:r>
-            <a:r>
-              <a:rPr lang="en-IN" sz="1400" b="0" dirty="0" err="1">
-                <a:solidFill>
-                  <a:srgbClr val="CE9178"/>
-                </a:solidFill>
-                <a:effectLst/>
-                <a:latin typeface="Consolas" panose="020B0609020204030204" pitchFamily="49" charset="0"/>
-              </a:rPr>
-              <a:t>gce</a:t>
-            </a:r>
-            <a:r>
-              <a:rPr lang="en-IN" sz="1400" b="0" dirty="0">
-                <a:solidFill>
-                  <a:srgbClr val="CE9178"/>
-                </a:solidFill>
-                <a:effectLst/>
-                <a:latin typeface="Consolas" panose="020B0609020204030204" pitchFamily="49" charset="0"/>
-              </a:rPr>
-              <a:t>“</a:t>
-            </a:r>
-          </a:p>
-          <a:p>
-            <a:r>
-              <a:rPr lang="en-IN" sz="1400" b="0" dirty="0">
-                <a:solidFill>
-                  <a:srgbClr val="569CD6"/>
-                </a:solidFill>
-                <a:effectLst/>
-                <a:latin typeface="Consolas" panose="020B0609020204030204" pitchFamily="49" charset="0"/>
-              </a:rPr>
-              <a:t>spec</a:t>
-            </a:r>
-            <a:r>
-              <a:rPr lang="en-IN" sz="1400" b="0" dirty="0">
-                <a:solidFill>
-                  <a:srgbClr val="D4D4D4"/>
-                </a:solidFill>
-                <a:effectLst/>
-                <a:latin typeface="Consolas" panose="020B0609020204030204" pitchFamily="49" charset="0"/>
-              </a:rPr>
-              <a:t>:</a:t>
-            </a:r>
-          </a:p>
-          <a:p>
-            <a:r>
-              <a:rPr lang="en-IN" sz="1400" b="0" dirty="0">
-                <a:solidFill>
-                  <a:srgbClr val="D4D4D4"/>
-                </a:solidFill>
-                <a:effectLst/>
-                <a:latin typeface="Consolas" panose="020B0609020204030204" pitchFamily="49" charset="0"/>
-              </a:rPr>
-              <a:t>  </a:t>
-            </a:r>
-            <a:r>
-              <a:rPr lang="en-IN" sz="1400" b="0" dirty="0">
-                <a:solidFill>
-                  <a:srgbClr val="569CD6"/>
-                </a:solidFill>
-                <a:effectLst/>
-                <a:latin typeface="Consolas" panose="020B0609020204030204" pitchFamily="49" charset="0"/>
-              </a:rPr>
-              <a:t>rules</a:t>
-            </a:r>
-            <a:r>
-              <a:rPr lang="en-IN" sz="1400" b="0" dirty="0">
-                <a:solidFill>
-                  <a:srgbClr val="D4D4D4"/>
-                </a:solidFill>
-                <a:effectLst/>
-                <a:latin typeface="Consolas" panose="020B0609020204030204" pitchFamily="49" charset="0"/>
-              </a:rPr>
-              <a:t>:</a:t>
-            </a:r>
-          </a:p>
-          <a:p>
-            <a:r>
-              <a:rPr lang="en-IN" sz="1400" b="0" dirty="0">
-                <a:solidFill>
-                  <a:srgbClr val="D4D4D4"/>
-                </a:solidFill>
-                <a:effectLst/>
-                <a:latin typeface="Consolas" panose="020B0609020204030204" pitchFamily="49" charset="0"/>
-              </a:rPr>
-              <a:t>  - </a:t>
-            </a:r>
-            <a:r>
-              <a:rPr lang="en-IN" sz="1400" b="0" dirty="0">
-                <a:solidFill>
-                  <a:srgbClr val="569CD6"/>
-                </a:solidFill>
-                <a:effectLst/>
-                <a:latin typeface="Consolas" panose="020B0609020204030204" pitchFamily="49" charset="0"/>
-              </a:rPr>
-              <a:t>http</a:t>
-            </a:r>
-            <a:r>
-              <a:rPr lang="en-IN" sz="1400" b="0" dirty="0">
-                <a:solidFill>
-                  <a:srgbClr val="D4D4D4"/>
-                </a:solidFill>
-                <a:effectLst/>
-                <a:latin typeface="Consolas" panose="020B0609020204030204" pitchFamily="49" charset="0"/>
-              </a:rPr>
-              <a:t>:</a:t>
-            </a:r>
-          </a:p>
-          <a:p>
-            <a:r>
-              <a:rPr lang="en-IN" sz="1400" b="0" dirty="0">
-                <a:solidFill>
-                  <a:srgbClr val="D4D4D4"/>
-                </a:solidFill>
-                <a:effectLst/>
-                <a:latin typeface="Consolas" panose="020B0609020204030204" pitchFamily="49" charset="0"/>
-              </a:rPr>
-              <a:t>        </a:t>
-            </a:r>
-            <a:r>
-              <a:rPr lang="en-IN" sz="1400" b="0" dirty="0">
-                <a:solidFill>
-                  <a:srgbClr val="569CD6"/>
-                </a:solidFill>
-                <a:effectLst/>
-                <a:latin typeface="Consolas" panose="020B0609020204030204" pitchFamily="49" charset="0"/>
-              </a:rPr>
-              <a:t>paths</a:t>
-            </a:r>
-            <a:r>
-              <a:rPr lang="en-IN" sz="1400" b="0" dirty="0">
-                <a:solidFill>
-                  <a:srgbClr val="D4D4D4"/>
-                </a:solidFill>
-                <a:effectLst/>
-                <a:latin typeface="Consolas" panose="020B0609020204030204" pitchFamily="49" charset="0"/>
-              </a:rPr>
-              <a:t>:</a:t>
-            </a:r>
-          </a:p>
-          <a:p>
-            <a:r>
-              <a:rPr lang="en-IN" sz="1400" b="0" dirty="0">
-                <a:solidFill>
-                  <a:srgbClr val="D4D4D4"/>
-                </a:solidFill>
-                <a:effectLst/>
-                <a:latin typeface="Consolas" panose="020B0609020204030204" pitchFamily="49" charset="0"/>
-              </a:rPr>
-              <a:t>          - </a:t>
-            </a:r>
-            <a:r>
-              <a:rPr lang="en-IN" sz="1400" b="0" dirty="0">
-                <a:solidFill>
-                  <a:srgbClr val="569CD6"/>
-                </a:solidFill>
-                <a:effectLst/>
-                <a:latin typeface="Consolas" panose="020B0609020204030204" pitchFamily="49" charset="0"/>
-              </a:rPr>
-              <a:t>path</a:t>
-            </a:r>
-            <a:r>
-              <a:rPr lang="en-IN" sz="1400" b="0" dirty="0">
-                <a:solidFill>
-                  <a:srgbClr val="D4D4D4"/>
-                </a:solidFill>
-                <a:effectLst/>
-                <a:latin typeface="Consolas" panose="020B0609020204030204" pitchFamily="49" charset="0"/>
-              </a:rPr>
-              <a:t>: </a:t>
-            </a:r>
-            <a:r>
-              <a:rPr lang="en-IN" sz="1400" b="0" dirty="0">
-                <a:solidFill>
-                  <a:srgbClr val="CE9178"/>
-                </a:solidFill>
-                <a:effectLst/>
-                <a:latin typeface="Consolas" panose="020B0609020204030204" pitchFamily="49" charset="0"/>
-              </a:rPr>
-              <a:t>/*</a:t>
-            </a:r>
-            <a:endParaRPr lang="en-IN" sz="1400" b="0" dirty="0">
-              <a:solidFill>
-                <a:srgbClr val="D4D4D4"/>
-              </a:solidFill>
-              <a:effectLst/>
-              <a:latin typeface="Consolas" panose="020B0609020204030204" pitchFamily="49" charset="0"/>
-            </a:endParaRPr>
-          </a:p>
-          <a:p>
-            <a:r>
-              <a:rPr lang="en-IN" sz="1400" b="0" dirty="0">
-                <a:solidFill>
-                  <a:srgbClr val="D4D4D4"/>
-                </a:solidFill>
-                <a:effectLst/>
-                <a:latin typeface="Consolas" panose="020B0609020204030204" pitchFamily="49" charset="0"/>
-              </a:rPr>
-              <a:t>            </a:t>
-            </a:r>
-            <a:r>
-              <a:rPr lang="en-IN" sz="1400" b="0" dirty="0" err="1">
-                <a:solidFill>
-                  <a:srgbClr val="569CD6"/>
-                </a:solidFill>
-                <a:effectLst/>
-                <a:latin typeface="Consolas" panose="020B0609020204030204" pitchFamily="49" charset="0"/>
-              </a:rPr>
-              <a:t>pathType</a:t>
-            </a:r>
-            <a:r>
-              <a:rPr lang="en-IN" sz="1400" b="0" dirty="0">
-                <a:solidFill>
-                  <a:srgbClr val="D4D4D4"/>
-                </a:solidFill>
-                <a:effectLst/>
-                <a:latin typeface="Consolas" panose="020B0609020204030204" pitchFamily="49" charset="0"/>
-              </a:rPr>
-              <a:t>: </a:t>
-            </a:r>
-            <a:r>
-              <a:rPr lang="en-IN" sz="1400" b="0" dirty="0" err="1">
-                <a:solidFill>
-                  <a:srgbClr val="CE9178"/>
-                </a:solidFill>
-                <a:effectLst/>
-                <a:latin typeface="Consolas" panose="020B0609020204030204" pitchFamily="49" charset="0"/>
-              </a:rPr>
-              <a:t>ImplementationSpecific</a:t>
-            </a:r>
-            <a:endParaRPr lang="en-IN" sz="1400" b="0" dirty="0">
-              <a:solidFill>
-                <a:srgbClr val="D4D4D4"/>
-              </a:solidFill>
-              <a:effectLst/>
-              <a:latin typeface="Consolas" panose="020B0609020204030204" pitchFamily="49" charset="0"/>
-            </a:endParaRPr>
-          </a:p>
-          <a:p>
-            <a:r>
-              <a:rPr lang="en-IN" sz="1400" b="0" dirty="0">
-                <a:solidFill>
-                  <a:srgbClr val="D4D4D4"/>
-                </a:solidFill>
-                <a:effectLst/>
-                <a:latin typeface="Consolas" panose="020B0609020204030204" pitchFamily="49" charset="0"/>
-              </a:rPr>
-              <a:t>            </a:t>
-            </a:r>
-            <a:r>
-              <a:rPr lang="en-IN" sz="1400" b="0" dirty="0">
-                <a:solidFill>
-                  <a:srgbClr val="569CD6"/>
-                </a:solidFill>
-                <a:effectLst/>
-                <a:latin typeface="Consolas" panose="020B0609020204030204" pitchFamily="49" charset="0"/>
-              </a:rPr>
-              <a:t>backend</a:t>
-            </a:r>
-            <a:r>
-              <a:rPr lang="en-IN" sz="1400" b="0" dirty="0">
-                <a:solidFill>
-                  <a:srgbClr val="D4D4D4"/>
-                </a:solidFill>
-                <a:effectLst/>
-                <a:latin typeface="Consolas" panose="020B0609020204030204" pitchFamily="49" charset="0"/>
-              </a:rPr>
-              <a:t>:</a:t>
-            </a:r>
-          </a:p>
-          <a:p>
-            <a:r>
-              <a:rPr lang="en-IN" sz="1400" b="0" dirty="0">
-                <a:solidFill>
-                  <a:srgbClr val="D4D4D4"/>
-                </a:solidFill>
-                <a:effectLst/>
-                <a:latin typeface="Consolas" panose="020B0609020204030204" pitchFamily="49" charset="0"/>
-              </a:rPr>
-              <a:t>              </a:t>
-            </a:r>
-            <a:r>
-              <a:rPr lang="en-IN" sz="1400" b="0" dirty="0">
-                <a:solidFill>
-                  <a:srgbClr val="569CD6"/>
-                </a:solidFill>
-                <a:effectLst/>
-                <a:latin typeface="Consolas" panose="020B0609020204030204" pitchFamily="49" charset="0"/>
-              </a:rPr>
-              <a:t>service</a:t>
-            </a:r>
-            <a:r>
-              <a:rPr lang="en-IN" sz="1400" b="0" dirty="0">
-                <a:solidFill>
-                  <a:srgbClr val="D4D4D4"/>
-                </a:solidFill>
-                <a:effectLst/>
-                <a:latin typeface="Consolas" panose="020B0609020204030204" pitchFamily="49" charset="0"/>
-              </a:rPr>
-              <a:t>:</a:t>
-            </a:r>
-          </a:p>
-          <a:p>
-            <a:r>
-              <a:rPr lang="en-IN" sz="1400" b="0" dirty="0">
-                <a:solidFill>
-                  <a:srgbClr val="D4D4D4"/>
-                </a:solidFill>
-                <a:effectLst/>
-                <a:latin typeface="Consolas" panose="020B0609020204030204" pitchFamily="49" charset="0"/>
-              </a:rPr>
-              <a:t>                </a:t>
-            </a:r>
-            <a:r>
-              <a:rPr lang="en-IN" sz="1400" b="0" dirty="0">
-                <a:solidFill>
-                  <a:srgbClr val="569CD6"/>
-                </a:solidFill>
-                <a:effectLst/>
-                <a:latin typeface="Consolas" panose="020B0609020204030204" pitchFamily="49" charset="0"/>
-              </a:rPr>
-              <a:t>name</a:t>
-            </a:r>
-            <a:r>
-              <a:rPr lang="en-IN" sz="1400" b="0" dirty="0">
-                <a:solidFill>
-                  <a:srgbClr val="D4D4D4"/>
-                </a:solidFill>
-                <a:effectLst/>
-                <a:latin typeface="Consolas" panose="020B0609020204030204" pitchFamily="49" charset="0"/>
-              </a:rPr>
-              <a:t>: </a:t>
-            </a:r>
-            <a:r>
-              <a:rPr lang="en-IN" sz="1400" b="0" dirty="0">
-                <a:solidFill>
-                  <a:srgbClr val="CE9178"/>
-                </a:solidFill>
-                <a:effectLst/>
-                <a:latin typeface="Consolas" panose="020B0609020204030204" pitchFamily="49" charset="0"/>
-              </a:rPr>
-              <a:t>my-website-svc</a:t>
-            </a:r>
-            <a:endParaRPr lang="en-IN" sz="1400" b="0" dirty="0">
-              <a:solidFill>
-                <a:srgbClr val="D4D4D4"/>
-              </a:solidFill>
-              <a:effectLst/>
-              <a:latin typeface="Consolas" panose="020B0609020204030204" pitchFamily="49" charset="0"/>
-            </a:endParaRPr>
-          </a:p>
-          <a:p>
-            <a:r>
-              <a:rPr lang="en-IN" sz="1400" b="0" dirty="0">
-                <a:solidFill>
-                  <a:srgbClr val="D4D4D4"/>
-                </a:solidFill>
-                <a:effectLst/>
-                <a:latin typeface="Consolas" panose="020B0609020204030204" pitchFamily="49" charset="0"/>
-              </a:rPr>
-              <a:t>                </a:t>
-            </a:r>
-            <a:r>
-              <a:rPr lang="en-IN" sz="1400" b="0" dirty="0">
-                <a:solidFill>
-                  <a:srgbClr val="569CD6"/>
-                </a:solidFill>
-                <a:effectLst/>
-                <a:latin typeface="Consolas" panose="020B0609020204030204" pitchFamily="49" charset="0"/>
-              </a:rPr>
-              <a:t>port</a:t>
-            </a:r>
-            <a:r>
-              <a:rPr lang="en-IN" sz="1400" b="0" dirty="0">
-                <a:solidFill>
-                  <a:srgbClr val="D4D4D4"/>
-                </a:solidFill>
-                <a:effectLst/>
-                <a:latin typeface="Consolas" panose="020B0609020204030204" pitchFamily="49" charset="0"/>
-              </a:rPr>
-              <a:t>:</a:t>
-            </a:r>
-          </a:p>
-          <a:p>
-            <a:r>
-              <a:rPr lang="en-IN" sz="1400" b="0" dirty="0">
-                <a:solidFill>
-                  <a:srgbClr val="D4D4D4"/>
-                </a:solidFill>
-                <a:effectLst/>
-                <a:latin typeface="Consolas" panose="020B0609020204030204" pitchFamily="49" charset="0"/>
-              </a:rPr>
-              <a:t>                  </a:t>
-            </a:r>
-            <a:r>
-              <a:rPr lang="en-IN" sz="1400" b="0" dirty="0">
-                <a:solidFill>
-                  <a:srgbClr val="569CD6"/>
-                </a:solidFill>
-                <a:effectLst/>
-                <a:latin typeface="Consolas" panose="020B0609020204030204" pitchFamily="49" charset="0"/>
-              </a:rPr>
-              <a:t>number</a:t>
-            </a:r>
-            <a:r>
-              <a:rPr lang="en-IN" sz="1400" b="0" dirty="0">
-                <a:solidFill>
-                  <a:srgbClr val="D4D4D4"/>
-                </a:solidFill>
-                <a:effectLst/>
-                <a:latin typeface="Consolas" panose="020B0609020204030204" pitchFamily="49" charset="0"/>
-              </a:rPr>
-              <a:t>: </a:t>
-            </a:r>
-            <a:r>
-              <a:rPr lang="en-IN" sz="1400" b="0" dirty="0">
-                <a:solidFill>
-                  <a:srgbClr val="B5CEA8"/>
-                </a:solidFill>
-                <a:effectLst/>
-                <a:latin typeface="Consolas" panose="020B0609020204030204" pitchFamily="49" charset="0"/>
-              </a:rPr>
-              <a:t>80</a:t>
-            </a:r>
-            <a:endParaRPr lang="en-IN" sz="1400" b="0" dirty="0">
-              <a:solidFill>
-                <a:srgbClr val="D4D4D4"/>
-              </a:solidFill>
-              <a:effectLst/>
-              <a:latin typeface="Consolas" panose="020B0609020204030204" pitchFamily="49" charset="0"/>
-            </a:endParaRPr>
-          </a:p>
-          <a:p>
-            <a:r>
-              <a:rPr lang="en-IN" sz="1400" b="0" dirty="0">
-                <a:solidFill>
-                  <a:srgbClr val="D4D4D4"/>
-                </a:solidFill>
-                <a:effectLst/>
-                <a:latin typeface="Consolas" panose="020B0609020204030204" pitchFamily="49" charset="0"/>
-              </a:rPr>
-              <a:t>          - </a:t>
-            </a:r>
-            <a:r>
-              <a:rPr lang="en-IN" sz="1400" b="0" dirty="0">
-                <a:solidFill>
-                  <a:srgbClr val="569CD6"/>
-                </a:solidFill>
-                <a:effectLst/>
-                <a:latin typeface="Consolas" panose="020B0609020204030204" pitchFamily="49" charset="0"/>
-              </a:rPr>
-              <a:t>path</a:t>
-            </a:r>
-            <a:r>
-              <a:rPr lang="en-IN" sz="1400" b="0" dirty="0">
-                <a:solidFill>
-                  <a:srgbClr val="D4D4D4"/>
-                </a:solidFill>
-                <a:effectLst/>
-                <a:latin typeface="Consolas" panose="020B0609020204030204" pitchFamily="49" charset="0"/>
-              </a:rPr>
-              <a:t>: </a:t>
-            </a:r>
-            <a:r>
-              <a:rPr lang="en-IN" sz="1400" b="0" dirty="0">
-                <a:solidFill>
-                  <a:srgbClr val="CE9178"/>
-                </a:solidFill>
-                <a:effectLst/>
-                <a:latin typeface="Consolas" panose="020B0609020204030204" pitchFamily="49" charset="0"/>
-              </a:rPr>
-              <a:t>/</a:t>
-            </a:r>
-            <a:r>
-              <a:rPr lang="en-IN" sz="1400" b="0" dirty="0" err="1">
-                <a:solidFill>
-                  <a:srgbClr val="CE9178"/>
-                </a:solidFill>
-                <a:effectLst/>
-                <a:latin typeface="Consolas" panose="020B0609020204030204" pitchFamily="49" charset="0"/>
-              </a:rPr>
-              <a:t>myweb</a:t>
-            </a:r>
-            <a:endParaRPr lang="en-IN" sz="1400" b="0" dirty="0">
-              <a:solidFill>
-                <a:srgbClr val="D4D4D4"/>
-              </a:solidFill>
-              <a:effectLst/>
-              <a:latin typeface="Consolas" panose="020B0609020204030204" pitchFamily="49" charset="0"/>
-            </a:endParaRPr>
-          </a:p>
-          <a:p>
-            <a:r>
-              <a:rPr lang="en-IN" sz="1400" b="0" dirty="0">
-                <a:solidFill>
-                  <a:srgbClr val="D4D4D4"/>
-                </a:solidFill>
-                <a:effectLst/>
-                <a:latin typeface="Consolas" panose="020B0609020204030204" pitchFamily="49" charset="0"/>
-              </a:rPr>
-              <a:t>            </a:t>
-            </a:r>
-            <a:r>
-              <a:rPr lang="en-IN" sz="1400" b="0" dirty="0" err="1">
-                <a:solidFill>
-                  <a:srgbClr val="569CD6"/>
-                </a:solidFill>
-                <a:effectLst/>
-                <a:latin typeface="Consolas" panose="020B0609020204030204" pitchFamily="49" charset="0"/>
-              </a:rPr>
-              <a:t>pathType</a:t>
-            </a:r>
-            <a:r>
-              <a:rPr lang="en-IN" sz="1400" b="0" dirty="0">
-                <a:solidFill>
-                  <a:srgbClr val="D4D4D4"/>
-                </a:solidFill>
-                <a:effectLst/>
-                <a:latin typeface="Consolas" panose="020B0609020204030204" pitchFamily="49" charset="0"/>
-              </a:rPr>
-              <a:t>: </a:t>
-            </a:r>
-            <a:r>
-              <a:rPr lang="en-IN" sz="1400" b="0" dirty="0" err="1">
-                <a:solidFill>
-                  <a:srgbClr val="CE9178"/>
-                </a:solidFill>
-                <a:effectLst/>
-                <a:latin typeface="Consolas" panose="020B0609020204030204" pitchFamily="49" charset="0"/>
-              </a:rPr>
-              <a:t>ImplementationSpecific</a:t>
-            </a:r>
-            <a:endParaRPr lang="en-IN" sz="1400" b="0" dirty="0">
-              <a:solidFill>
-                <a:srgbClr val="D4D4D4"/>
-              </a:solidFill>
-              <a:effectLst/>
-              <a:latin typeface="Consolas" panose="020B0609020204030204" pitchFamily="49" charset="0"/>
-            </a:endParaRPr>
-          </a:p>
-          <a:p>
-            <a:r>
-              <a:rPr lang="en-IN" sz="1400" b="0" dirty="0">
-                <a:solidFill>
-                  <a:srgbClr val="D4D4D4"/>
-                </a:solidFill>
-                <a:effectLst/>
-                <a:latin typeface="Consolas" panose="020B0609020204030204" pitchFamily="49" charset="0"/>
-              </a:rPr>
-              <a:t>            </a:t>
-            </a:r>
-            <a:r>
-              <a:rPr lang="en-IN" sz="1400" b="0" dirty="0">
-                <a:solidFill>
-                  <a:srgbClr val="569CD6"/>
-                </a:solidFill>
-                <a:effectLst/>
-                <a:latin typeface="Consolas" panose="020B0609020204030204" pitchFamily="49" charset="0"/>
-              </a:rPr>
-              <a:t>backend</a:t>
-            </a:r>
-            <a:r>
-              <a:rPr lang="en-IN" sz="1400" b="0" dirty="0">
-                <a:solidFill>
-                  <a:srgbClr val="D4D4D4"/>
-                </a:solidFill>
-                <a:effectLst/>
-                <a:latin typeface="Consolas" panose="020B0609020204030204" pitchFamily="49" charset="0"/>
-              </a:rPr>
-              <a:t>:</a:t>
-            </a:r>
-          </a:p>
-          <a:p>
-            <a:r>
-              <a:rPr lang="en-IN" sz="1400" b="0" dirty="0">
-                <a:solidFill>
-                  <a:srgbClr val="D4D4D4"/>
-                </a:solidFill>
-                <a:effectLst/>
-                <a:latin typeface="Consolas" panose="020B0609020204030204" pitchFamily="49" charset="0"/>
-              </a:rPr>
-              <a:t>              </a:t>
-            </a:r>
-            <a:r>
-              <a:rPr lang="en-IN" sz="1400" b="0" dirty="0">
-                <a:solidFill>
-                  <a:srgbClr val="569CD6"/>
-                </a:solidFill>
-                <a:effectLst/>
-                <a:latin typeface="Consolas" panose="020B0609020204030204" pitchFamily="49" charset="0"/>
-              </a:rPr>
-              <a:t>service</a:t>
-            </a:r>
-            <a:r>
-              <a:rPr lang="en-IN" sz="1400" b="0" dirty="0">
-                <a:solidFill>
-                  <a:srgbClr val="D4D4D4"/>
-                </a:solidFill>
-                <a:effectLst/>
-                <a:latin typeface="Consolas" panose="020B0609020204030204" pitchFamily="49" charset="0"/>
-              </a:rPr>
-              <a:t>:</a:t>
-            </a:r>
-          </a:p>
-          <a:p>
-            <a:r>
-              <a:rPr lang="en-IN" sz="1400" b="0" dirty="0">
-                <a:solidFill>
-                  <a:srgbClr val="D4D4D4"/>
-                </a:solidFill>
-                <a:effectLst/>
-                <a:latin typeface="Consolas" panose="020B0609020204030204" pitchFamily="49" charset="0"/>
-              </a:rPr>
-              <a:t>                </a:t>
-            </a:r>
-            <a:r>
-              <a:rPr lang="en-IN" sz="1400" b="0" dirty="0">
-                <a:solidFill>
-                  <a:srgbClr val="569CD6"/>
-                </a:solidFill>
-                <a:effectLst/>
-                <a:latin typeface="Consolas" panose="020B0609020204030204" pitchFamily="49" charset="0"/>
-              </a:rPr>
-              <a:t>name</a:t>
-            </a:r>
-            <a:r>
-              <a:rPr lang="en-IN" sz="1400" b="0" dirty="0">
-                <a:solidFill>
-                  <a:srgbClr val="D4D4D4"/>
-                </a:solidFill>
-                <a:effectLst/>
-                <a:latin typeface="Consolas" panose="020B0609020204030204" pitchFamily="49" charset="0"/>
-              </a:rPr>
-              <a:t>: </a:t>
-            </a:r>
-            <a:r>
-              <a:rPr lang="en-IN" sz="1400" b="0" dirty="0">
-                <a:solidFill>
-                  <a:srgbClr val="CE9178"/>
-                </a:solidFill>
-                <a:effectLst/>
-                <a:latin typeface="Consolas" panose="020B0609020204030204" pitchFamily="49" charset="0"/>
-              </a:rPr>
-              <a:t>my-website-svc</a:t>
-            </a:r>
-            <a:endParaRPr lang="en-IN" sz="1400" b="0" dirty="0">
-              <a:solidFill>
-                <a:srgbClr val="D4D4D4"/>
-              </a:solidFill>
-              <a:effectLst/>
-              <a:latin typeface="Consolas" panose="020B0609020204030204" pitchFamily="49" charset="0"/>
-            </a:endParaRPr>
-          </a:p>
-          <a:p>
-            <a:r>
-              <a:rPr lang="en-IN" sz="1400" b="0" dirty="0">
-                <a:solidFill>
-                  <a:srgbClr val="D4D4D4"/>
-                </a:solidFill>
-                <a:effectLst/>
-                <a:latin typeface="Consolas" panose="020B0609020204030204" pitchFamily="49" charset="0"/>
-              </a:rPr>
-              <a:t>                </a:t>
-            </a:r>
-            <a:r>
-              <a:rPr lang="en-IN" sz="1400" b="0" dirty="0">
-                <a:solidFill>
-                  <a:srgbClr val="569CD6"/>
-                </a:solidFill>
-                <a:effectLst/>
-                <a:latin typeface="Consolas" panose="020B0609020204030204" pitchFamily="49" charset="0"/>
-              </a:rPr>
-              <a:t>port</a:t>
-            </a:r>
-            <a:r>
-              <a:rPr lang="en-IN" sz="1400" b="0" dirty="0">
-                <a:solidFill>
-                  <a:srgbClr val="D4D4D4"/>
-                </a:solidFill>
-                <a:effectLst/>
-                <a:latin typeface="Consolas" panose="020B0609020204030204" pitchFamily="49" charset="0"/>
-              </a:rPr>
-              <a:t>:</a:t>
-            </a:r>
-          </a:p>
-          <a:p>
-            <a:r>
-              <a:rPr lang="en-IN" sz="1400" b="0" dirty="0">
-                <a:solidFill>
-                  <a:srgbClr val="D4D4D4"/>
-                </a:solidFill>
-                <a:effectLst/>
-                <a:latin typeface="Consolas" panose="020B0609020204030204" pitchFamily="49" charset="0"/>
-              </a:rPr>
-              <a:t>                  </a:t>
-            </a:r>
-            <a:r>
-              <a:rPr lang="en-IN" sz="1400" b="0" dirty="0">
-                <a:solidFill>
-                  <a:srgbClr val="569CD6"/>
-                </a:solidFill>
-                <a:effectLst/>
-                <a:latin typeface="Consolas" panose="020B0609020204030204" pitchFamily="49" charset="0"/>
-              </a:rPr>
-              <a:t>number</a:t>
-            </a:r>
-            <a:r>
-              <a:rPr lang="en-IN" sz="1400" b="0" dirty="0">
-                <a:solidFill>
-                  <a:srgbClr val="D4D4D4"/>
-                </a:solidFill>
-                <a:effectLst/>
-                <a:latin typeface="Consolas" panose="020B0609020204030204" pitchFamily="49" charset="0"/>
-              </a:rPr>
-              <a:t>: </a:t>
-            </a:r>
-            <a:r>
-              <a:rPr lang="en-IN" sz="1400" b="0" dirty="0">
-                <a:solidFill>
-                  <a:srgbClr val="B5CEA8"/>
-                </a:solidFill>
-                <a:effectLst/>
-                <a:latin typeface="Consolas" panose="020B0609020204030204" pitchFamily="49" charset="0"/>
-              </a:rPr>
-              <a:t>80</a:t>
-            </a:r>
-            <a:endParaRPr lang="en-IN" sz="1400" b="0" dirty="0">
-              <a:solidFill>
-                <a:srgbClr val="D4D4D4"/>
-              </a:solidFill>
-              <a:effectLst/>
-              <a:latin typeface="Consolas" panose="020B0609020204030204" pitchFamily="49" charset="0"/>
-            </a:endParaRPr>
-          </a:p>
-        </p:txBody>
-      </p:sp>
-    </p:spTree>
-    <p:extLst>
-      <p:ext uri="{BB962C8B-B14F-4D97-AF65-F5344CB8AC3E}">
-        <p14:creationId xmlns:p14="http://schemas.microsoft.com/office/powerpoint/2010/main" val="1210561811"/>
       </p:ext>
     </p:extLst>
   </p:cSld>
